--- a/Johannsen_Gollek_Kock_Fuchs_GWV_Tutorial_11.pptx
+++ b/Johannsen_Gollek_Kock_Fuchs_GWV_Tutorial_11.pptx
@@ -12,10 +12,10 @@
   </p:handoutMasterIdLst>
   <p:sldIdLst>
     <p:sldId id="270" r:id="rId2"/>
-    <p:sldId id="271" r:id="rId3"/>
-    <p:sldId id="266" r:id="rId4"/>
-    <p:sldId id="267" r:id="rId5"/>
-    <p:sldId id="264" r:id="rId6"/>
+    <p:sldId id="266" r:id="rId3"/>
+    <p:sldId id="267" r:id="rId4"/>
+    <p:sldId id="264" r:id="rId5"/>
+    <p:sldId id="271" r:id="rId6"/>
     <p:sldId id="269" r:id="rId7"/>
     <p:sldId id="268" r:id="rId8"/>
     <p:sldId id="265" r:id="rId9"/>
@@ -144,14 +144,84 @@
 <file path=ppt/revisionInfo.xml><?xml version="1.0" encoding="utf-8"?>
 <p1510:revInfo xmlns:a="http://schemas.openxmlformats.org/drawingml/2006/main" xmlns:r="http://schemas.openxmlformats.org/officeDocument/2006/relationships" xmlns:p1510="http://schemas.microsoft.com/office/powerpoint/2015/10/main">
   <p1510:revLst>
+    <p1510:client id="{BCC8D8C5-1BEB-4530-BDB7-0F5487F750D2}" v="270" dt="2019-01-22T17:04:29.706"/>
     <p1510:client id="{A3E14E3B-6088-4393-9604-C81A0D42550F}" v="1" dt="2019-01-22T08:59:00.064"/>
-    <p1510:client id="{BCC8D8C5-1BEB-4530-BDB7-0F5487F750D2}" v="270" dt="2019-01-22T17:04:29.706"/>
   </p1510:revLst>
 </p1510:revInfo>
 </file>
 
 <file path=ppt/changesInfos/changesInfo1.xml><?xml version="1.0" encoding="utf-8"?>
 <pc:chgInfo xmlns:a="http://schemas.openxmlformats.org/drawingml/2006/main" xmlns:r="http://schemas.openxmlformats.org/officeDocument/2006/relationships" xmlns:ac="http://schemas.microsoft.com/office/drawing/2013/main/command" xmlns:pc="http://schemas.microsoft.com/office/powerpoint/2013/main/command">
+  <pc:docChgLst>
+    <pc:chgData name="Marius Kock" userId="456e4e15-2d07-4f15-bc47-5009d409d873" providerId="ADAL" clId="{A3E14E3B-6088-4393-9604-C81A0D42550F}"/>
+    <pc:docChg chg="custSel mod addSld modSld">
+      <pc:chgData name="Marius Kock" userId="456e4e15-2d07-4f15-bc47-5009d409d873" providerId="ADAL" clId="{A3E14E3B-6088-4393-9604-C81A0D42550F}" dt="2019-01-22T08:59:29.104" v="5" actId="26606"/>
+      <pc:docMkLst>
+        <pc:docMk/>
+      </pc:docMkLst>
+      <pc:sldChg chg="modSp">
+        <pc:chgData name="Marius Kock" userId="456e4e15-2d07-4f15-bc47-5009d409d873" providerId="ADAL" clId="{A3E14E3B-6088-4393-9604-C81A0D42550F}" dt="2019-01-22T08:57:58.174" v="3" actId="27636"/>
+        <pc:sldMkLst>
+          <pc:docMk/>
+          <pc:sldMk cId="1420781873" sldId="256"/>
+        </pc:sldMkLst>
+        <pc:spChg chg="mod">
+          <ac:chgData name="Marius Kock" userId="456e4e15-2d07-4f15-bc47-5009d409d873" providerId="ADAL" clId="{A3E14E3B-6088-4393-9604-C81A0D42550F}" dt="2019-01-22T08:57:58.174" v="3" actId="27636"/>
+          <ac:spMkLst>
+            <pc:docMk/>
+            <pc:sldMk cId="1420781873" sldId="256"/>
+            <ac:spMk id="2" creationId="{00000000-0000-0000-0000-000000000000}"/>
+          </ac:spMkLst>
+        </pc:spChg>
+      </pc:sldChg>
+      <pc:sldChg chg="delSp modSp mod setBg">
+        <pc:chgData name="Marius Kock" userId="456e4e15-2d07-4f15-bc47-5009d409d873" providerId="ADAL" clId="{A3E14E3B-6088-4393-9604-C81A0D42550F}" dt="2019-01-22T08:59:29.104" v="5" actId="26606"/>
+        <pc:sldMkLst>
+          <pc:docMk/>
+          <pc:sldMk cId="2429261940" sldId="258"/>
+        </pc:sldMkLst>
+        <pc:spChg chg="mod">
+          <ac:chgData name="Marius Kock" userId="456e4e15-2d07-4f15-bc47-5009d409d873" providerId="ADAL" clId="{A3E14E3B-6088-4393-9604-C81A0D42550F}" dt="2019-01-22T08:59:29.104" v="5" actId="26606"/>
+          <ac:spMkLst>
+            <pc:docMk/>
+            <pc:sldMk cId="2429261940" sldId="258"/>
+            <ac:spMk id="2" creationId="{7447712E-62C7-413D-AAE9-B0A3A8FAC840}"/>
+          </ac:spMkLst>
+        </pc:spChg>
+        <pc:spChg chg="del">
+          <ac:chgData name="Marius Kock" userId="456e4e15-2d07-4f15-bc47-5009d409d873" providerId="ADAL" clId="{A3E14E3B-6088-4393-9604-C81A0D42550F}" dt="2019-01-22T08:59:29.104" v="5" actId="26606"/>
+          <ac:spMkLst>
+            <pc:docMk/>
+            <pc:sldMk cId="2429261940" sldId="258"/>
+            <ac:spMk id="10" creationId="{93F0ADB5-A0B4-4B01-A8C4-FDC34CE22BD4}"/>
+          </ac:spMkLst>
+        </pc:spChg>
+        <pc:spChg chg="del">
+          <ac:chgData name="Marius Kock" userId="456e4e15-2d07-4f15-bc47-5009d409d873" providerId="ADAL" clId="{A3E14E3B-6088-4393-9604-C81A0D42550F}" dt="2019-01-22T08:59:29.104" v="5" actId="26606"/>
+          <ac:spMkLst>
+            <pc:docMk/>
+            <pc:sldMk cId="2429261940" sldId="258"/>
+            <ac:spMk id="12" creationId="{AA6D0FDE-0241-4C21-A720-A69475358235}"/>
+          </ac:spMkLst>
+        </pc:spChg>
+        <pc:graphicFrameChg chg="mod modGraphic">
+          <ac:chgData name="Marius Kock" userId="456e4e15-2d07-4f15-bc47-5009d409d873" providerId="ADAL" clId="{A3E14E3B-6088-4393-9604-C81A0D42550F}" dt="2019-01-22T08:59:29.104" v="5" actId="26606"/>
+          <ac:graphicFrameMkLst>
+            <pc:docMk/>
+            <pc:sldMk cId="2429261940" sldId="258"/>
+            <ac:graphicFrameMk id="5" creationId="{CC937859-53A2-49DC-A087-D866F924813B}"/>
+          </ac:graphicFrameMkLst>
+        </pc:graphicFrameChg>
+      </pc:sldChg>
+      <pc:sldChg chg="add">
+        <pc:chgData name="Marius Kock" userId="456e4e15-2d07-4f15-bc47-5009d409d873" providerId="ADAL" clId="{A3E14E3B-6088-4393-9604-C81A0D42550F}" dt="2019-01-22T08:59:00.059" v="4"/>
+        <pc:sldMkLst>
+          <pc:docMk/>
+          <pc:sldMk cId="3329272563" sldId="259"/>
+        </pc:sldMkLst>
+      </pc:sldChg>
+    </pc:docChg>
+  </pc:docChgLst>
   <pc:docChgLst>
     <pc:chgData name="Marius Kock" userId="456e4e15-2d07-4f15-bc47-5009d409d873" providerId="ADAL" clId="{BCC8D8C5-1BEB-4530-BDB7-0F5487F750D2}"/>
     <pc:docChg chg="undo redo custSel mod addSld delSld modSld sldOrd">
@@ -1196,76 +1266,6 @@
             <ac:picMk id="10" creationId="{AE90848F-E327-274F-8B39-1792798DAF1C}"/>
           </ac:picMkLst>
         </pc:picChg>
-      </pc:sldChg>
-    </pc:docChg>
-  </pc:docChgLst>
-  <pc:docChgLst>
-    <pc:chgData name="Marius Kock" userId="456e4e15-2d07-4f15-bc47-5009d409d873" providerId="ADAL" clId="{A3E14E3B-6088-4393-9604-C81A0D42550F}"/>
-    <pc:docChg chg="custSel mod addSld modSld">
-      <pc:chgData name="Marius Kock" userId="456e4e15-2d07-4f15-bc47-5009d409d873" providerId="ADAL" clId="{A3E14E3B-6088-4393-9604-C81A0D42550F}" dt="2019-01-22T08:59:29.104" v="5" actId="26606"/>
-      <pc:docMkLst>
-        <pc:docMk/>
-      </pc:docMkLst>
-      <pc:sldChg chg="modSp">
-        <pc:chgData name="Marius Kock" userId="456e4e15-2d07-4f15-bc47-5009d409d873" providerId="ADAL" clId="{A3E14E3B-6088-4393-9604-C81A0D42550F}" dt="2019-01-22T08:57:58.174" v="3" actId="27636"/>
-        <pc:sldMkLst>
-          <pc:docMk/>
-          <pc:sldMk cId="1420781873" sldId="256"/>
-        </pc:sldMkLst>
-        <pc:spChg chg="mod">
-          <ac:chgData name="Marius Kock" userId="456e4e15-2d07-4f15-bc47-5009d409d873" providerId="ADAL" clId="{A3E14E3B-6088-4393-9604-C81A0D42550F}" dt="2019-01-22T08:57:58.174" v="3" actId="27636"/>
-          <ac:spMkLst>
-            <pc:docMk/>
-            <pc:sldMk cId="1420781873" sldId="256"/>
-            <ac:spMk id="2" creationId="{00000000-0000-0000-0000-000000000000}"/>
-          </ac:spMkLst>
-        </pc:spChg>
-      </pc:sldChg>
-      <pc:sldChg chg="delSp modSp mod setBg">
-        <pc:chgData name="Marius Kock" userId="456e4e15-2d07-4f15-bc47-5009d409d873" providerId="ADAL" clId="{A3E14E3B-6088-4393-9604-C81A0D42550F}" dt="2019-01-22T08:59:29.104" v="5" actId="26606"/>
-        <pc:sldMkLst>
-          <pc:docMk/>
-          <pc:sldMk cId="2429261940" sldId="258"/>
-        </pc:sldMkLst>
-        <pc:spChg chg="mod">
-          <ac:chgData name="Marius Kock" userId="456e4e15-2d07-4f15-bc47-5009d409d873" providerId="ADAL" clId="{A3E14E3B-6088-4393-9604-C81A0D42550F}" dt="2019-01-22T08:59:29.104" v="5" actId="26606"/>
-          <ac:spMkLst>
-            <pc:docMk/>
-            <pc:sldMk cId="2429261940" sldId="258"/>
-            <ac:spMk id="2" creationId="{7447712E-62C7-413D-AAE9-B0A3A8FAC840}"/>
-          </ac:spMkLst>
-        </pc:spChg>
-        <pc:spChg chg="del">
-          <ac:chgData name="Marius Kock" userId="456e4e15-2d07-4f15-bc47-5009d409d873" providerId="ADAL" clId="{A3E14E3B-6088-4393-9604-C81A0D42550F}" dt="2019-01-22T08:59:29.104" v="5" actId="26606"/>
-          <ac:spMkLst>
-            <pc:docMk/>
-            <pc:sldMk cId="2429261940" sldId="258"/>
-            <ac:spMk id="10" creationId="{93F0ADB5-A0B4-4B01-A8C4-FDC34CE22BD4}"/>
-          </ac:spMkLst>
-        </pc:spChg>
-        <pc:spChg chg="del">
-          <ac:chgData name="Marius Kock" userId="456e4e15-2d07-4f15-bc47-5009d409d873" providerId="ADAL" clId="{A3E14E3B-6088-4393-9604-C81A0D42550F}" dt="2019-01-22T08:59:29.104" v="5" actId="26606"/>
-          <ac:spMkLst>
-            <pc:docMk/>
-            <pc:sldMk cId="2429261940" sldId="258"/>
-            <ac:spMk id="12" creationId="{AA6D0FDE-0241-4C21-A720-A69475358235}"/>
-          </ac:spMkLst>
-        </pc:spChg>
-        <pc:graphicFrameChg chg="mod modGraphic">
-          <ac:chgData name="Marius Kock" userId="456e4e15-2d07-4f15-bc47-5009d409d873" providerId="ADAL" clId="{A3E14E3B-6088-4393-9604-C81A0D42550F}" dt="2019-01-22T08:59:29.104" v="5" actId="26606"/>
-          <ac:graphicFrameMkLst>
-            <pc:docMk/>
-            <pc:sldMk cId="2429261940" sldId="258"/>
-            <ac:graphicFrameMk id="5" creationId="{CC937859-53A2-49DC-A087-D866F924813B}"/>
-          </ac:graphicFrameMkLst>
-        </pc:graphicFrameChg>
-      </pc:sldChg>
-      <pc:sldChg chg="add">
-        <pc:chgData name="Marius Kock" userId="456e4e15-2d07-4f15-bc47-5009d409d873" providerId="ADAL" clId="{A3E14E3B-6088-4393-9604-C81A0D42550F}" dt="2019-01-22T08:59:00.059" v="4"/>
-        <pc:sldMkLst>
-          <pc:docMk/>
-          <pc:sldMk cId="3329272563" sldId="259"/>
-        </pc:sldMkLst>
       </pc:sldChg>
     </pc:docChg>
   </pc:docChgLst>
@@ -5027,12 +5027,7 @@
     <dgm:cxn modelId="{6BEBF720-54C6-40AD-8CEA-2D6BFD78043D}" srcId="{7E736765-FA10-46BC-A767-9DA403286DF9}" destId="{6C567E9F-F766-4B71-BED2-D70FE866A48B}" srcOrd="2" destOrd="0" parTransId="{E257AF35-0512-4A62-9B3D-05A8BB0C6495}" sibTransId="{598D925E-8E99-418C-9CD9-C7CFB0B88CBF}"/>
     <dgm:cxn modelId="{00B5F024-5ADF-4655-ACB2-EC0024FF16FA}" type="presOf" srcId="{EFCC339F-2AA0-4EA1-BD34-282A9CFAF2A5}" destId="{62ADE23E-E780-41C3-8AF2-B183703671A8}" srcOrd="0" destOrd="0" presId="urn:microsoft.com/office/officeart/2005/8/layout/hierarchy2"/>
     <dgm:cxn modelId="{1E38E72F-EB80-4CCF-8D00-179C72E2799F}" type="presOf" srcId="{937BEE1A-E55F-4819-B63D-31BB52A0C6AD}" destId="{8BBB6B20-E0A9-4B6F-A56D-39A6D86EF1F3}" srcOrd="0" destOrd="0" presId="urn:microsoft.com/office/officeart/2005/8/layout/hierarchy2"/>
-    <dgm:cxn modelId="{21141E5C-0231-406A-914D-6C84C1C8072C}" type="presOf" srcId="{F22796A5-40F4-4C64-993A-EDF7523DCBA1}" destId="{4F44E618-948F-4593-A7EF-135BA6ED2BBB}" srcOrd="1" destOrd="0" presId="urn:microsoft.com/office/officeart/2005/8/layout/hierarchy2"/>
-    <dgm:cxn modelId="{DFB6CB5C-998E-4912-9E14-AFB5F6E0634E}" type="presOf" srcId="{366D491C-9ED9-49A8-BD06-7A5395A640DD}" destId="{957B3DD7-EB27-4E8F-BAB9-FA3FDA8AD7F7}" srcOrd="0" destOrd="0" presId="urn:microsoft.com/office/officeart/2005/8/layout/hierarchy2"/>
-    <dgm:cxn modelId="{83363A5D-5CE0-4B22-BB09-DB04BEC1FC51}" type="presOf" srcId="{BF857D99-37A7-46A3-A478-186AF92D81C9}" destId="{50E13B76-7B12-4938-A72C-E3E6D388BB01}" srcOrd="1" destOrd="0" presId="urn:microsoft.com/office/officeart/2005/8/layout/hierarchy2"/>
     <dgm:cxn modelId="{CEE0B442-6CA1-49D7-A036-7D40091EAC51}" type="presOf" srcId="{C1138BEA-52E6-4B7F-9902-330FB4C968AF}" destId="{39EB5202-1766-4871-9A9D-EACA79299C8B}" srcOrd="1" destOrd="0" presId="urn:microsoft.com/office/officeart/2005/8/layout/hierarchy2"/>
-    <dgm:cxn modelId="{9DE9796B-A767-4177-A07F-4C646837DD2C}" type="presOf" srcId="{E257AF35-0512-4A62-9B3D-05A8BB0C6495}" destId="{BE361C11-67A4-4ADB-87CE-ACAA77F12B1D}" srcOrd="1" destOrd="0" presId="urn:microsoft.com/office/officeart/2005/8/layout/hierarchy2"/>
-    <dgm:cxn modelId="{978A1570-27C7-4A18-8A3D-FE4C276D6439}" type="presOf" srcId="{6761A08C-EA31-4373-A2DA-2F8491B9D1FF}" destId="{EC1E7AF9-8B92-486C-A415-63B9BFE41CDA}" srcOrd="0" destOrd="0" presId="urn:microsoft.com/office/officeart/2005/8/layout/hierarchy2"/>
     <dgm:cxn modelId="{D5B84150-C631-470B-86E0-9B7EFCB89FA7}" srcId="{366D491C-9ED9-49A8-BD06-7A5395A640DD}" destId="{B5D36CCE-7F73-4857-87C9-D570DDA64D27}" srcOrd="2" destOrd="0" parTransId="{C9FD2A48-7DAF-48F5-AAC8-33CDF9DB0136}" sibTransId="{E6EE0FB4-B647-4A89-A8E0-42F7C5A7EED5}"/>
     <dgm:cxn modelId="{33E76D50-D79A-4B6B-BAFB-2D4798081F10}" type="presOf" srcId="{F26B6673-5D5C-42EF-A20F-35DF063CF4EA}" destId="{6067B03A-2637-48D6-B72B-7DD6849E7D29}" srcOrd="1" destOrd="0" presId="urn:microsoft.com/office/officeart/2005/8/layout/hierarchy2"/>
     <dgm:cxn modelId="{010A8C50-F321-43AB-8300-EE4C3D23D63A}" type="presOf" srcId="{3E19D288-45D0-42A1-A530-E0932829F07D}" destId="{261F2EE2-D172-4BD6-B566-822DE2168180}" srcOrd="0" destOrd="0" presId="urn:microsoft.com/office/officeart/2005/8/layout/hierarchy2"/>
@@ -5041,11 +5036,16 @@
     <dgm:cxn modelId="{743DD452-BC98-4D94-8A17-ECA681B000D6}" type="presOf" srcId="{BF857D99-37A7-46A3-A478-186AF92D81C9}" destId="{2196DF98-4DC3-4C8A-A40B-321D89D55400}" srcOrd="0" destOrd="0" presId="urn:microsoft.com/office/officeart/2005/8/layout/hierarchy2"/>
     <dgm:cxn modelId="{B0395355-2F4B-4296-A648-01CCF5CA554E}" type="presOf" srcId="{8E3D5E3F-DBD6-492E-B605-1456247F5EBE}" destId="{E3D133DB-C021-40B0-97C1-15E910DF3267}" srcOrd="0" destOrd="0" presId="urn:microsoft.com/office/officeart/2005/8/layout/hierarchy2"/>
     <dgm:cxn modelId="{A0003856-3C50-4044-8A68-162A5283D15C}" type="presOf" srcId="{540375EB-1E7A-4B8F-B800-2CE2D659C31D}" destId="{6FAE95C6-40F8-40D9-AAB3-80A201B4DC2B}" srcOrd="0" destOrd="0" presId="urn:microsoft.com/office/officeart/2005/8/layout/hierarchy2"/>
+    <dgm:cxn modelId="{4C840F59-2651-4076-9E13-FEFC2EF75CD0}" type="presOf" srcId="{6A40CE51-CA2C-4718-9A3A-3C9A2279E605}" destId="{4C44898E-20E6-4E66-BDEA-9C8D6F2635BD}" srcOrd="0" destOrd="0" presId="urn:microsoft.com/office/officeart/2005/8/layout/hierarchy2"/>
+    <dgm:cxn modelId="{8A4DD859-E6E0-48FB-BBD2-57DEB9B25C46}" type="presOf" srcId="{534D7F7A-6860-40D7-88E2-495833B2B310}" destId="{04BD8892-FF00-49FC-AFAB-E1B26B045A29}" srcOrd="0" destOrd="0" presId="urn:microsoft.com/office/officeart/2005/8/layout/hierarchy2"/>
+    <dgm:cxn modelId="{21141E5C-0231-406A-914D-6C84C1C8072C}" type="presOf" srcId="{F22796A5-40F4-4C64-993A-EDF7523DCBA1}" destId="{4F44E618-948F-4593-A7EF-135BA6ED2BBB}" srcOrd="1" destOrd="0" presId="urn:microsoft.com/office/officeart/2005/8/layout/hierarchy2"/>
+    <dgm:cxn modelId="{DFB6CB5C-998E-4912-9E14-AFB5F6E0634E}" type="presOf" srcId="{366D491C-9ED9-49A8-BD06-7A5395A640DD}" destId="{957B3DD7-EB27-4E8F-BAB9-FA3FDA8AD7F7}" srcOrd="0" destOrd="0" presId="urn:microsoft.com/office/officeart/2005/8/layout/hierarchy2"/>
+    <dgm:cxn modelId="{83363A5D-5CE0-4B22-BB09-DB04BEC1FC51}" type="presOf" srcId="{BF857D99-37A7-46A3-A478-186AF92D81C9}" destId="{50E13B76-7B12-4938-A72C-E3E6D388BB01}" srcOrd="1" destOrd="0" presId="urn:microsoft.com/office/officeart/2005/8/layout/hierarchy2"/>
+    <dgm:cxn modelId="{9DE9796B-A767-4177-A07F-4C646837DD2C}" type="presOf" srcId="{E257AF35-0512-4A62-9B3D-05A8BB0C6495}" destId="{BE361C11-67A4-4ADB-87CE-ACAA77F12B1D}" srcOrd="1" destOrd="0" presId="urn:microsoft.com/office/officeart/2005/8/layout/hierarchy2"/>
+    <dgm:cxn modelId="{978A1570-27C7-4A18-8A3D-FE4C276D6439}" type="presOf" srcId="{6761A08C-EA31-4373-A2DA-2F8491B9D1FF}" destId="{EC1E7AF9-8B92-486C-A415-63B9BFE41CDA}" srcOrd="0" destOrd="0" presId="urn:microsoft.com/office/officeart/2005/8/layout/hierarchy2"/>
     <dgm:cxn modelId="{FEE17976-AD9B-4D2F-8426-768F1E678D71}" type="presOf" srcId="{56220A94-95E6-479C-AC1E-346415A7C8F5}" destId="{28BBB6E2-0FCB-478B-AC3C-01E6200B7D50}" srcOrd="0" destOrd="0" presId="urn:microsoft.com/office/officeart/2005/8/layout/hierarchy2"/>
     <dgm:cxn modelId="{C1D5B577-8048-4F6B-BD52-315BCF61D314}" type="presOf" srcId="{5B2CA671-5AB0-4E07-8F2F-5B0456D6FD9E}" destId="{9CF5C9BF-14F5-48B5-B1B9-AC7DAC1B15C0}" srcOrd="0" destOrd="0" presId="urn:microsoft.com/office/officeart/2005/8/layout/hierarchy2"/>
-    <dgm:cxn modelId="{4C840F59-2651-4076-9E13-FEFC2EF75CD0}" type="presOf" srcId="{6A40CE51-CA2C-4718-9A3A-3C9A2279E605}" destId="{4C44898E-20E6-4E66-BDEA-9C8D6F2635BD}" srcOrd="0" destOrd="0" presId="urn:microsoft.com/office/officeart/2005/8/layout/hierarchy2"/>
     <dgm:cxn modelId="{286E2F79-FE37-45B0-A702-426557774669}" type="presOf" srcId="{E1F34782-E0A0-409C-A2D9-7583534B518A}" destId="{0CBB6B77-381B-4469-852E-85F6AF919D00}" srcOrd="1" destOrd="0" presId="urn:microsoft.com/office/officeart/2005/8/layout/hierarchy2"/>
-    <dgm:cxn modelId="{8A4DD859-E6E0-48FB-BBD2-57DEB9B25C46}" type="presOf" srcId="{534D7F7A-6860-40D7-88E2-495833B2B310}" destId="{04BD8892-FF00-49FC-AFAB-E1B26B045A29}" srcOrd="0" destOrd="0" presId="urn:microsoft.com/office/officeart/2005/8/layout/hierarchy2"/>
     <dgm:cxn modelId="{A873F27D-C327-4BCE-9BD6-0CE603A9747B}" type="presOf" srcId="{3E19D288-45D0-42A1-A530-E0932829F07D}" destId="{845E3D3A-7F0B-4C8D-B32C-3FB19BD2F928}" srcOrd="1" destOrd="0" presId="urn:microsoft.com/office/officeart/2005/8/layout/hierarchy2"/>
     <dgm:cxn modelId="{9326E280-1776-43C5-8C8B-630213E0BD84}" type="presOf" srcId="{08695B70-B818-4F63-B1EF-BA819DC219D0}" destId="{A95D9854-B85F-42AB-8630-B32E1C554CF8}" srcOrd="0" destOrd="0" presId="urn:microsoft.com/office/officeart/2005/8/layout/hierarchy2"/>
     <dgm:cxn modelId="{8A90F183-0CB6-4A93-BF5D-6BA21CD2161C}" type="presOf" srcId="{4C183E6A-4878-4CE9-88F0-571D197CC478}" destId="{8583799C-6957-4279-BFA6-3DFCBAD64319}" srcOrd="1" destOrd="0" presId="urn:microsoft.com/office/officeart/2005/8/layout/hierarchy2"/>
@@ -11734,7 +11734,7 @@
             <a:pPr rtl="0"/>
             <a:fld id="{596F7AAD-4E32-493B-9143-7857541B1B7A}" type="datetime1">
               <a:rPr lang="de-DE" smtClean="0"/>
-              <a:t>22.01.2019</a:t>
+              <a:t>22.01.19</a:t>
             </a:fld>
             <a:endParaRPr lang="de-DE" dirty="0"/>
           </a:p>
@@ -11904,7 +11904,7 @@
             <a:pPr rtl="0"/>
             <a:fld id="{629381CA-3454-4486-8E1C-41DAA1DBA7A2}" type="datetime1">
               <a:rPr lang="de-DE" smtClean="0"/>
-              <a:t>22.01.2019</a:t>
+              <a:t>22.01.19</a:t>
             </a:fld>
             <a:endParaRPr lang="de-DE" dirty="0"/>
           </a:p>
@@ -12423,7 +12423,7 @@
           <a:p>
             <a:fld id="{1160EA64-D806-43AC-9DF2-F8C432F32B4C}" type="datetimeFigureOut">
               <a:rPr lang="en-US" dirty="0"/>
-              <a:t>1/22/2019</a:t>
+              <a:t>1/22/19</a:t>
             </a:fld>
             <a:endParaRPr lang="en-US" dirty="0"/>
           </a:p>
@@ -12607,7 +12607,7 @@
             <a:pPr rtl="0"/>
             <a:fld id="{F853C35F-FBF4-4345-94FE-7C356BDC4E7C}" type="datetime1">
               <a:rPr lang="de-DE" smtClean="0"/>
-              <a:t>22.01.2019</a:t>
+              <a:t>22.01.19</a:t>
             </a:fld>
             <a:endParaRPr lang="de-DE" dirty="0"/>
           </a:p>
@@ -12802,7 +12802,7 @@
             <a:pPr rtl="0"/>
             <a:fld id="{52CDA82A-C872-4250-A483-7FE20BF13E38}" type="datetime1">
               <a:rPr lang="de-DE" smtClean="0"/>
-              <a:t>22.01.2019</a:t>
+              <a:t>22.01.19</a:t>
             </a:fld>
             <a:endParaRPr lang="de-DE" dirty="0"/>
           </a:p>
@@ -12956,7 +12956,7 @@
             <a:pPr rtl="0"/>
             <a:fld id="{97F73663-BF2F-4471-9530-8437E90AE323}" type="datetime1">
               <a:rPr lang="de-DE" smtClean="0"/>
-              <a:t>22.01.2019</a:t>
+              <a:t>22.01.19</a:t>
             </a:fld>
             <a:endParaRPr lang="de-DE" dirty="0"/>
           </a:p>
@@ -13097,7 +13097,7 @@
             <a:pPr rtl="0"/>
             <a:fld id="{C9238AB1-56AF-4C2E-AF6E-8E2C93E1C7FC}" type="datetime1">
               <a:rPr lang="de-DE" smtClean="0"/>
-              <a:t>22.01.2019</a:t>
+              <a:t>22.01.19</a:t>
             </a:fld>
             <a:endParaRPr lang="de-DE" dirty="0"/>
           </a:p>
@@ -13380,7 +13380,7 @@
             <a:pPr rtl="0"/>
             <a:fld id="{F6217F63-A2E4-4C6D-9C5F-3A0056DF06E2}" type="datetime1">
               <a:rPr lang="de-DE" smtClean="0"/>
-              <a:t>22.01.2019</a:t>
+              <a:t>22.01.19</a:t>
             </a:fld>
             <a:endParaRPr lang="de-DE" dirty="0"/>
           </a:p>
@@ -13617,7 +13617,7 @@
             <a:pPr rtl="0"/>
             <a:fld id="{34415A36-1D33-4189-B6E1-470A4B0AE62D}" type="datetime1">
               <a:rPr lang="de-DE" smtClean="0"/>
-              <a:t>22.01.2019</a:t>
+              <a:t>22.01.19</a:t>
             </a:fld>
             <a:endParaRPr lang="de-DE" dirty="0"/>
           </a:p>
@@ -13991,7 +13991,7 @@
             <a:pPr rtl="0"/>
             <a:fld id="{F6217F63-A2E4-4C6D-9C5F-3A0056DF06E2}" type="datetime1">
               <a:rPr lang="de-DE" smtClean="0"/>
-              <a:t>22.01.2019</a:t>
+              <a:t>22.01.19</a:t>
             </a:fld>
             <a:endParaRPr lang="de-DE" dirty="0"/>
           </a:p>
@@ -14137,7 +14137,7 @@
             <a:pPr rtl="0"/>
             <a:fld id="{7E2AF863-D3B5-4A76-8706-AEB5B78FDCDC}" type="datetime1">
               <a:rPr lang="de-DE" smtClean="0"/>
-              <a:t>22.01.2019</a:t>
+              <a:t>22.01.19</a:t>
             </a:fld>
             <a:endParaRPr lang="de-DE" dirty="0"/>
           </a:p>
@@ -14247,7 +14247,7 @@
             <a:pPr rtl="0"/>
             <a:fld id="{97F73663-BF2F-4471-9530-8437E90AE323}" type="datetime1">
               <a:rPr lang="de-DE" smtClean="0"/>
-              <a:t>22.01.2019</a:t>
+              <a:t>22.01.19</a:t>
             </a:fld>
             <a:endParaRPr lang="de-DE" dirty="0"/>
           </a:p>
@@ -14619,7 +14619,7 @@
             <a:pPr rtl="0"/>
             <a:fld id="{F6217F63-A2E4-4C6D-9C5F-3A0056DF06E2}" type="datetime1">
               <a:rPr lang="de-DE" smtClean="0"/>
-              <a:t>22.01.2019</a:t>
+              <a:t>22.01.19</a:t>
             </a:fld>
             <a:endParaRPr lang="de-DE" dirty="0"/>
           </a:p>
@@ -14981,7 +14981,7 @@
             <a:pPr rtl="0"/>
             <a:fld id="{F6217F63-A2E4-4C6D-9C5F-3A0056DF06E2}" type="datetime1">
               <a:rPr lang="de-DE" smtClean="0"/>
-              <a:t>22.01.2019</a:t>
+              <a:t>22.01.19</a:t>
             </a:fld>
             <a:endParaRPr lang="de-DE" dirty="0"/>
           </a:p>
@@ -15227,7 +15227,7 @@
             <a:pPr rtl="0"/>
             <a:fld id="{F6217F63-A2E4-4C6D-9C5F-3A0056DF06E2}" type="datetime1">
               <a:rPr lang="de-DE" smtClean="0"/>
-              <a:t>22.01.2019</a:t>
+              <a:t>22.01.19</a:t>
             </a:fld>
             <a:endParaRPr lang="de-DE" dirty="0"/>
           </a:p>
@@ -15882,7 +15882,7 @@
                   <a:schemeClr val="accent1"/>
                 </a:solidFill>
               </a:rPr>
-              <a:t>Münje</a:t>
+              <a:t>Sünje</a:t>
             </a:r>
             <a:r>
               <a:rPr lang="de-DE" dirty="0">
@@ -15898,7 +15898,7 @@
                   <a:schemeClr val="accent1"/>
                 </a:solidFill>
               </a:rPr>
-              <a:t>Mollek</a:t>
+              <a:t>Gollek</a:t>
             </a:r>
             <a:r>
               <a:rPr lang="de-DE" dirty="0">
@@ -16184,339 +16184,6 @@
 </file>
 
 <file path=ppt/slides/slide2.xml><?xml version="1.0" encoding="utf-8"?>
-<p:sld xmlns:a="http://schemas.openxmlformats.org/drawingml/2006/main" xmlns:r="http://schemas.openxmlformats.org/officeDocument/2006/relationships" xmlns:p="http://schemas.openxmlformats.org/presentationml/2006/main">
-  <p:cSld>
-    <p:bg>
-      <p:bgPr>
-        <a:solidFill>
-          <a:schemeClr val="bg1">
-            <a:lumMod val="95000"/>
-          </a:schemeClr>
-        </a:solidFill>
-        <a:effectLst/>
-      </p:bgPr>
-    </p:bg>
-    <p:spTree>
-      <p:nvGrpSpPr>
-        <p:cNvPr id="1" name=""/>
-        <p:cNvGrpSpPr/>
-        <p:nvPr/>
-      </p:nvGrpSpPr>
-      <p:grpSpPr>
-        <a:xfrm>
-          <a:off x="0" y="0"/>
-          <a:ext cx="0" cy="0"/>
-          <a:chOff x="0" y="0"/>
-          <a:chExt cx="0" cy="0"/>
-        </a:xfrm>
-      </p:grpSpPr>
-      <p:sp useBgFill="1">
-        <p:nvSpPr>
-          <p:cNvPr id="12" name="Rectangle 14">
-            <a:extLst>
-              <a:ext uri="{FF2B5EF4-FFF2-40B4-BE49-F238E27FC236}">
-                <a16:creationId xmlns:a16="http://schemas.microsoft.com/office/drawing/2014/main" id="{1660E788-AFA9-4A1B-9991-6AA74632A15B}"/>
-              </a:ext>
-              <a:ext uri="{C183D7F6-B498-43B3-948B-1728B52AA6E4}">
-                <adec:decorative xmlns:adec="http://schemas.microsoft.com/office/drawing/2017/decorative" val="1"/>
-              </a:ext>
-            </a:extLst>
-          </p:cNvPr>
-          <p:cNvSpPr>
-            <a:spLocks noGrp="1" noRot="1" noChangeAspect="1" noMove="1" noResize="1" noEditPoints="1" noAdjustHandles="1" noChangeArrowheads="1" noChangeShapeType="1" noTextEdit="1"/>
-          </p:cNvSpPr>
-          <p:nvPr>
-            <p:extLst>
-              <p:ext uri="{386F3935-93C4-4BCD-93E2-E3B085C9AB24}">
-                <p16:designElem xmlns:p16="http://schemas.microsoft.com/office/powerpoint/2015/main" val="1"/>
-              </p:ext>
-            </p:extLst>
-          </p:nvPr>
-        </p:nvSpPr>
-        <p:spPr>
-          <a:xfrm>
-            <a:off x="0" y="0"/>
-            <a:ext cx="12191999" cy="6858000"/>
-          </a:xfrm>
-          <a:prstGeom prst="rect">
-            <a:avLst/>
-          </a:prstGeom>
-          <a:ln>
-            <a:noFill/>
-          </a:ln>
-        </p:spPr>
-        <p:style>
-          <a:lnRef idx="2">
-            <a:schemeClr val="accent1">
-              <a:shade val="50000"/>
-            </a:schemeClr>
-          </a:lnRef>
-          <a:fillRef idx="1">
-            <a:schemeClr val="accent1"/>
-          </a:fillRef>
-          <a:effectRef idx="0">
-            <a:schemeClr val="accent1"/>
-          </a:effectRef>
-          <a:fontRef idx="minor">
-            <a:schemeClr val="lt1"/>
-          </a:fontRef>
-        </p:style>
-        <p:txBody>
-          <a:bodyPr rtlCol="0" anchor="ctr"/>
-          <a:lstStyle/>
-          <a:p>
-            <a:pPr algn="ctr"/>
-            <a:endParaRPr lang="en-US"/>
-          </a:p>
-        </p:txBody>
-      </p:sp>
-      <p:sp>
-        <p:nvSpPr>
-          <p:cNvPr id="17" name="Rectangle 16">
-            <a:extLst>
-              <a:ext uri="{FF2B5EF4-FFF2-40B4-BE49-F238E27FC236}">
-                <a16:creationId xmlns:a16="http://schemas.microsoft.com/office/drawing/2014/main" id="{867D4867-5BA7-4462-B2F6-A23F4A622AA7}"/>
-              </a:ext>
-              <a:ext uri="{C183D7F6-B498-43B3-948B-1728B52AA6E4}">
-                <adec:decorative xmlns:adec="http://schemas.microsoft.com/office/drawing/2017/decorative" val="1"/>
-              </a:ext>
-            </a:extLst>
-          </p:cNvPr>
-          <p:cNvSpPr>
-            <a:spLocks noGrp="1" noRot="1" noChangeAspect="1" noMove="1" noResize="1" noEditPoints="1" noAdjustHandles="1" noChangeArrowheads="1" noChangeShapeType="1" noTextEdit="1"/>
-          </p:cNvSpPr>
-          <p:nvPr>
-            <p:extLst>
-              <p:ext uri="{386F3935-93C4-4BCD-93E2-E3B085C9AB24}">
-                <p16:designElem xmlns:p16="http://schemas.microsoft.com/office/powerpoint/2015/main" val="1"/>
-              </p:ext>
-            </p:extLst>
-          </p:nvPr>
-        </p:nvSpPr>
-        <p:spPr>
-          <a:xfrm>
-            <a:off x="0" y="0"/>
-            <a:ext cx="4654296" cy="6858000"/>
-          </a:xfrm>
-          <a:prstGeom prst="rect">
-            <a:avLst/>
-          </a:prstGeom>
-          <a:solidFill>
-            <a:schemeClr val="tx2"/>
-          </a:solidFill>
-          <a:ln>
-            <a:noFill/>
-          </a:ln>
-        </p:spPr>
-        <p:style>
-          <a:lnRef idx="0">
-            <a:scrgbClr r="0" g="0" b="0"/>
-          </a:lnRef>
-          <a:fillRef idx="0">
-            <a:scrgbClr r="0" g="0" b="0"/>
-          </a:fillRef>
-          <a:effectRef idx="0">
-            <a:scrgbClr r="0" g="0" b="0"/>
-          </a:effectRef>
-          <a:fontRef idx="minor">
-            <a:schemeClr val="lt1"/>
-          </a:fontRef>
-        </p:style>
-        <p:txBody>
-          <a:bodyPr rtlCol="0" anchor="ctr"/>
-          <a:lstStyle/>
-          <a:p>
-            <a:pPr algn="ctr"/>
-            <a:endParaRPr lang="en-US"/>
-          </a:p>
-        </p:txBody>
-      </p:sp>
-      <p:sp>
-        <p:nvSpPr>
-          <p:cNvPr id="2" name="Titel 1">
-            <a:extLst>
-              <a:ext uri="{FF2B5EF4-FFF2-40B4-BE49-F238E27FC236}">
-                <a16:creationId xmlns:a16="http://schemas.microsoft.com/office/drawing/2014/main" id="{07A47CCB-4A07-714D-94B4-55A71EBB88FF}"/>
-              </a:ext>
-            </a:extLst>
-          </p:cNvPr>
-          <p:cNvSpPr>
-            <a:spLocks noGrp="1"/>
-          </p:cNvSpPr>
-          <p:nvPr>
-            <p:ph type="title"/>
-          </p:nvPr>
-        </p:nvSpPr>
-        <p:spPr>
-          <a:xfrm>
-            <a:off x="643467" y="643467"/>
-            <a:ext cx="3363974" cy="1728044"/>
-          </a:xfrm>
-          <a:noFill/>
-          <a:ln>
-            <a:solidFill>
-              <a:schemeClr val="bg1"/>
-            </a:solidFill>
-          </a:ln>
-        </p:spPr>
-        <p:txBody>
-          <a:bodyPr wrap="square">
-            <a:normAutofit/>
-          </a:bodyPr>
-          <a:lstStyle/>
-          <a:p>
-            <a:r>
-              <a:rPr lang="de-DE">
-                <a:solidFill>
-                  <a:schemeClr val="bg1"/>
-                </a:solidFill>
-              </a:rPr>
-              <a:t>Greedy Ascent Algorithmus</a:t>
-            </a:r>
-          </a:p>
-        </p:txBody>
-      </p:sp>
-      <p:sp>
-        <p:nvSpPr>
-          <p:cNvPr id="3" name="Inhaltsplatzhalter 2">
-            <a:extLst>
-              <a:ext uri="{FF2B5EF4-FFF2-40B4-BE49-F238E27FC236}">
-                <a16:creationId xmlns:a16="http://schemas.microsoft.com/office/drawing/2014/main" id="{B2918B6D-7FFA-0949-AB97-12C874525C87}"/>
-              </a:ext>
-            </a:extLst>
-          </p:cNvPr>
-          <p:cNvSpPr>
-            <a:spLocks noGrp="1"/>
-          </p:cNvSpPr>
-          <p:nvPr>
-            <p:ph idx="1"/>
-          </p:nvPr>
-        </p:nvSpPr>
-        <p:spPr>
-          <a:xfrm>
-            <a:off x="643468" y="2638044"/>
-            <a:ext cx="3363974" cy="3415622"/>
-          </a:xfrm>
-        </p:spPr>
-        <p:txBody>
-          <a:bodyPr>
-            <a:normAutofit/>
-          </a:bodyPr>
-          <a:lstStyle/>
-          <a:p>
-            <a:r>
-              <a:rPr lang="de-DE" dirty="0">
-                <a:solidFill>
-                  <a:schemeClr val="bg1"/>
-                </a:solidFill>
-              </a:rPr>
-              <a:t>Geht Sitzreihenfolge durch von 0 – i</a:t>
-            </a:r>
-          </a:p>
-          <a:p>
-            <a:pPr marL="0" indent="0">
-              <a:buNone/>
-            </a:pPr>
-            <a:endParaRPr lang="de-DE" dirty="0">
-              <a:solidFill>
-                <a:schemeClr val="bg1"/>
-              </a:solidFill>
-            </a:endParaRPr>
-          </a:p>
-          <a:p>
-            <a:r>
-              <a:rPr lang="de-DE" dirty="0">
-                <a:solidFill>
-                  <a:schemeClr val="bg1"/>
-                </a:solidFill>
-              </a:rPr>
-              <a:t>Für jede Person:</a:t>
-            </a:r>
-          </a:p>
-          <a:p>
-            <a:r>
-              <a:rPr lang="de-DE" dirty="0">
-                <a:solidFill>
-                  <a:schemeClr val="bg1"/>
-                </a:solidFill>
-              </a:rPr>
-              <a:t>Suche die beste Sitzposition </a:t>
-            </a:r>
-          </a:p>
-          <a:p>
-            <a:r>
-              <a:rPr lang="de-DE" dirty="0">
-                <a:solidFill>
-                  <a:schemeClr val="bg1"/>
-                </a:solidFill>
-              </a:rPr>
-              <a:t>Wenn sich der Gesamtwert dadurch nicht verbessert – brich ab.</a:t>
-            </a:r>
-          </a:p>
-        </p:txBody>
-      </p:sp>
-      <p:pic>
-        <p:nvPicPr>
-          <p:cNvPr id="10" name="Grafik 9">
-            <a:extLst>
-              <a:ext uri="{FF2B5EF4-FFF2-40B4-BE49-F238E27FC236}">
-                <a16:creationId xmlns:a16="http://schemas.microsoft.com/office/drawing/2014/main" id="{AE90848F-E327-274F-8B39-1792798DAF1C}"/>
-              </a:ext>
-            </a:extLst>
-          </p:cNvPr>
-          <p:cNvPicPr>
-            <a:picLocks noChangeAspect="1"/>
-          </p:cNvPicPr>
-          <p:nvPr/>
-        </p:nvPicPr>
-        <p:blipFill>
-          <a:blip r:embed="rId2">
-            <a:extLst>
-              <a:ext uri="{28A0092B-C50C-407E-A947-70E740481C1C}">
-                <a14:useLocalDpi xmlns:a14="http://schemas.microsoft.com/office/drawing/2010/main" val="0"/>
-              </a:ext>
-            </a:extLst>
-          </a:blip>
-          <a:stretch>
-            <a:fillRect/>
-          </a:stretch>
-        </p:blipFill>
-        <p:spPr>
-          <a:xfrm>
-            <a:off x="4650908" y="1170089"/>
-            <a:ext cx="7789348" cy="4517822"/>
-          </a:xfrm>
-          <a:prstGeom prst="rect">
-            <a:avLst/>
-          </a:prstGeom>
-        </p:spPr>
-      </p:pic>
-    </p:spTree>
-    <p:extLst>
-      <p:ext uri="{BB962C8B-B14F-4D97-AF65-F5344CB8AC3E}">
-        <p14:creationId xmlns:p14="http://schemas.microsoft.com/office/powerpoint/2010/main" val="3813747477"/>
-      </p:ext>
-    </p:extLst>
-  </p:cSld>
-  <p:clrMapOvr>
-    <a:masterClrMapping/>
-  </p:clrMapOvr>
-  <mc:AlternateContent xmlns:mc="http://schemas.openxmlformats.org/markup-compatibility/2006" xmlns:p14="http://schemas.microsoft.com/office/powerpoint/2010/main">
-    <mc:Choice Requires="p14">
-      <p:transition spd="med" p14:dur="700">
-        <p:fade/>
-      </p:transition>
-    </mc:Choice>
-    <mc:Fallback xmlns="">
-      <p:transition spd="med">
-        <p:fade/>
-      </p:transition>
-    </mc:Fallback>
-  </mc:AlternateContent>
-</p:sld>
-</file>
-
-<file path=ppt/slides/slide3.xml><?xml version="1.0" encoding="utf-8"?>
 <p:sld xmlns:a="http://schemas.openxmlformats.org/drawingml/2006/main" xmlns:r="http://schemas.openxmlformats.org/officeDocument/2006/relationships" xmlns:p="http://schemas.openxmlformats.org/presentationml/2006/main">
   <p:cSld>
     <p:bg>
@@ -16862,7 +16529,7 @@
 </p:sld>
 </file>
 
-<file path=ppt/slides/slide4.xml><?xml version="1.0" encoding="utf-8"?>
+<file path=ppt/slides/slide3.xml><?xml version="1.0" encoding="utf-8"?>
 <p:sld xmlns:a="http://schemas.openxmlformats.org/drawingml/2006/main" xmlns:r="http://schemas.openxmlformats.org/officeDocument/2006/relationships" xmlns:p="http://schemas.openxmlformats.org/presentationml/2006/main">
   <p:cSld>
     <p:spTree>
@@ -16971,7 +16638,7 @@
 </p:sld>
 </file>
 
-<file path=ppt/slides/slide5.xml><?xml version="1.0" encoding="utf-8"?>
+<file path=ppt/slides/slide4.xml><?xml version="1.0" encoding="utf-8"?>
 <p:sld xmlns:a="http://schemas.openxmlformats.org/drawingml/2006/main" xmlns:r="http://schemas.openxmlformats.org/officeDocument/2006/relationships" xmlns:p="http://schemas.openxmlformats.org/presentationml/2006/main">
   <p:cSld>
     <p:spTree>
@@ -18385,6 +18052,318 @@
     <p:extLst>
       <p:ext uri="{BB962C8B-B14F-4D97-AF65-F5344CB8AC3E}">
         <p14:creationId xmlns:p14="http://schemas.microsoft.com/office/powerpoint/2010/main" val="1525085031"/>
+      </p:ext>
+    </p:extLst>
+  </p:cSld>
+  <p:clrMapOvr>
+    <a:masterClrMapping/>
+  </p:clrMapOvr>
+  <mc:AlternateContent xmlns:mc="http://schemas.openxmlformats.org/markup-compatibility/2006" xmlns:p14="http://schemas.microsoft.com/office/powerpoint/2010/main">
+    <mc:Choice Requires="p14">
+      <p:transition spd="med" p14:dur="700">
+        <p:fade/>
+      </p:transition>
+    </mc:Choice>
+    <mc:Fallback xmlns="">
+      <p:transition spd="med">
+        <p:fade/>
+      </p:transition>
+    </mc:Fallback>
+  </mc:AlternateContent>
+</p:sld>
+</file>
+
+<file path=ppt/slides/slide5.xml><?xml version="1.0" encoding="utf-8"?>
+<p:sld xmlns:a="http://schemas.openxmlformats.org/drawingml/2006/main" xmlns:r="http://schemas.openxmlformats.org/officeDocument/2006/relationships" xmlns:p="http://schemas.openxmlformats.org/presentationml/2006/main">
+  <p:cSld>
+    <p:bg>
+      <p:bgPr>
+        <a:solidFill>
+          <a:schemeClr val="bg1">
+            <a:lumMod val="95000"/>
+          </a:schemeClr>
+        </a:solidFill>
+        <a:effectLst/>
+      </p:bgPr>
+    </p:bg>
+    <p:spTree>
+      <p:nvGrpSpPr>
+        <p:cNvPr id="1" name=""/>
+        <p:cNvGrpSpPr/>
+        <p:nvPr/>
+      </p:nvGrpSpPr>
+      <p:grpSpPr>
+        <a:xfrm>
+          <a:off x="0" y="0"/>
+          <a:ext cx="0" cy="0"/>
+          <a:chOff x="0" y="0"/>
+          <a:chExt cx="0" cy="0"/>
+        </a:xfrm>
+      </p:grpSpPr>
+      <p:sp useBgFill="1">
+        <p:nvSpPr>
+          <p:cNvPr id="12" name="Rectangle 14">
+            <a:extLst>
+              <a:ext uri="{FF2B5EF4-FFF2-40B4-BE49-F238E27FC236}">
+                <a16:creationId xmlns:a16="http://schemas.microsoft.com/office/drawing/2014/main" id="{1660E788-AFA9-4A1B-9991-6AA74632A15B}"/>
+              </a:ext>
+              <a:ext uri="{C183D7F6-B498-43B3-948B-1728B52AA6E4}">
+                <adec:decorative xmlns:adec="http://schemas.microsoft.com/office/drawing/2017/decorative" val="1"/>
+              </a:ext>
+            </a:extLst>
+          </p:cNvPr>
+          <p:cNvSpPr>
+            <a:spLocks noGrp="1" noRot="1" noChangeAspect="1" noMove="1" noResize="1" noEditPoints="1" noAdjustHandles="1" noChangeArrowheads="1" noChangeShapeType="1" noTextEdit="1"/>
+          </p:cNvSpPr>
+          <p:nvPr>
+            <p:extLst>
+              <p:ext uri="{386F3935-93C4-4BCD-93E2-E3B085C9AB24}">
+                <p16:designElem xmlns:p16="http://schemas.microsoft.com/office/powerpoint/2015/main" val="1"/>
+              </p:ext>
+            </p:extLst>
+          </p:nvPr>
+        </p:nvSpPr>
+        <p:spPr>
+          <a:xfrm>
+            <a:off x="0" y="0"/>
+            <a:ext cx="12191999" cy="6858000"/>
+          </a:xfrm>
+          <a:prstGeom prst="rect">
+            <a:avLst/>
+          </a:prstGeom>
+          <a:ln>
+            <a:noFill/>
+          </a:ln>
+        </p:spPr>
+        <p:style>
+          <a:lnRef idx="2">
+            <a:schemeClr val="accent1">
+              <a:shade val="50000"/>
+            </a:schemeClr>
+          </a:lnRef>
+          <a:fillRef idx="1">
+            <a:schemeClr val="accent1"/>
+          </a:fillRef>
+          <a:effectRef idx="0">
+            <a:schemeClr val="accent1"/>
+          </a:effectRef>
+          <a:fontRef idx="minor">
+            <a:schemeClr val="lt1"/>
+          </a:fontRef>
+        </p:style>
+        <p:txBody>
+          <a:bodyPr rtlCol="0" anchor="ctr"/>
+          <a:lstStyle/>
+          <a:p>
+            <a:pPr algn="ctr"/>
+            <a:endParaRPr lang="en-US"/>
+          </a:p>
+        </p:txBody>
+      </p:sp>
+      <p:sp>
+        <p:nvSpPr>
+          <p:cNvPr id="17" name="Rectangle 16">
+            <a:extLst>
+              <a:ext uri="{FF2B5EF4-FFF2-40B4-BE49-F238E27FC236}">
+                <a16:creationId xmlns:a16="http://schemas.microsoft.com/office/drawing/2014/main" id="{867D4867-5BA7-4462-B2F6-A23F4A622AA7}"/>
+              </a:ext>
+              <a:ext uri="{C183D7F6-B498-43B3-948B-1728B52AA6E4}">
+                <adec:decorative xmlns:adec="http://schemas.microsoft.com/office/drawing/2017/decorative" val="1"/>
+              </a:ext>
+            </a:extLst>
+          </p:cNvPr>
+          <p:cNvSpPr>
+            <a:spLocks noGrp="1" noRot="1" noChangeAspect="1" noMove="1" noResize="1" noEditPoints="1" noAdjustHandles="1" noChangeArrowheads="1" noChangeShapeType="1" noTextEdit="1"/>
+          </p:cNvSpPr>
+          <p:nvPr>
+            <p:extLst>
+              <p:ext uri="{386F3935-93C4-4BCD-93E2-E3B085C9AB24}">
+                <p16:designElem xmlns:p16="http://schemas.microsoft.com/office/powerpoint/2015/main" val="1"/>
+              </p:ext>
+            </p:extLst>
+          </p:nvPr>
+        </p:nvSpPr>
+        <p:spPr>
+          <a:xfrm>
+            <a:off x="0" y="0"/>
+            <a:ext cx="4654296" cy="6858000"/>
+          </a:xfrm>
+          <a:prstGeom prst="rect">
+            <a:avLst/>
+          </a:prstGeom>
+          <a:solidFill>
+            <a:schemeClr val="tx2"/>
+          </a:solidFill>
+          <a:ln>
+            <a:noFill/>
+          </a:ln>
+        </p:spPr>
+        <p:style>
+          <a:lnRef idx="0">
+            <a:scrgbClr r="0" g="0" b="0"/>
+          </a:lnRef>
+          <a:fillRef idx="0">
+            <a:scrgbClr r="0" g="0" b="0"/>
+          </a:fillRef>
+          <a:effectRef idx="0">
+            <a:scrgbClr r="0" g="0" b="0"/>
+          </a:effectRef>
+          <a:fontRef idx="minor">
+            <a:schemeClr val="lt1"/>
+          </a:fontRef>
+        </p:style>
+        <p:txBody>
+          <a:bodyPr rtlCol="0" anchor="ctr"/>
+          <a:lstStyle/>
+          <a:p>
+            <a:pPr algn="ctr"/>
+            <a:endParaRPr lang="en-US"/>
+          </a:p>
+        </p:txBody>
+      </p:sp>
+      <p:sp>
+        <p:nvSpPr>
+          <p:cNvPr id="2" name="Titel 1">
+            <a:extLst>
+              <a:ext uri="{FF2B5EF4-FFF2-40B4-BE49-F238E27FC236}">
+                <a16:creationId xmlns:a16="http://schemas.microsoft.com/office/drawing/2014/main" id="{07A47CCB-4A07-714D-94B4-55A71EBB88FF}"/>
+              </a:ext>
+            </a:extLst>
+          </p:cNvPr>
+          <p:cNvSpPr>
+            <a:spLocks noGrp="1"/>
+          </p:cNvSpPr>
+          <p:nvPr>
+            <p:ph type="title"/>
+          </p:nvPr>
+        </p:nvSpPr>
+        <p:spPr>
+          <a:xfrm>
+            <a:off x="643467" y="643467"/>
+            <a:ext cx="3363974" cy="1728044"/>
+          </a:xfrm>
+          <a:noFill/>
+          <a:ln>
+            <a:solidFill>
+              <a:schemeClr val="bg1"/>
+            </a:solidFill>
+          </a:ln>
+        </p:spPr>
+        <p:txBody>
+          <a:bodyPr wrap="square">
+            <a:normAutofit/>
+          </a:bodyPr>
+          <a:lstStyle/>
+          <a:p>
+            <a:r>
+              <a:rPr lang="de-DE">
+                <a:solidFill>
+                  <a:schemeClr val="bg1"/>
+                </a:solidFill>
+              </a:rPr>
+              <a:t>Greedy Ascent Algorithmus</a:t>
+            </a:r>
+          </a:p>
+        </p:txBody>
+      </p:sp>
+      <p:sp>
+        <p:nvSpPr>
+          <p:cNvPr id="3" name="Inhaltsplatzhalter 2">
+            <a:extLst>
+              <a:ext uri="{FF2B5EF4-FFF2-40B4-BE49-F238E27FC236}">
+                <a16:creationId xmlns:a16="http://schemas.microsoft.com/office/drawing/2014/main" id="{B2918B6D-7FFA-0949-AB97-12C874525C87}"/>
+              </a:ext>
+            </a:extLst>
+          </p:cNvPr>
+          <p:cNvSpPr>
+            <a:spLocks noGrp="1"/>
+          </p:cNvSpPr>
+          <p:nvPr>
+            <p:ph idx="1"/>
+          </p:nvPr>
+        </p:nvSpPr>
+        <p:spPr>
+          <a:xfrm>
+            <a:off x="643468" y="2638044"/>
+            <a:ext cx="3363974" cy="3415622"/>
+          </a:xfrm>
+        </p:spPr>
+        <p:txBody>
+          <a:bodyPr>
+            <a:normAutofit/>
+          </a:bodyPr>
+          <a:lstStyle/>
+          <a:p>
+            <a:r>
+              <a:rPr lang="de-DE" dirty="0">
+                <a:solidFill>
+                  <a:schemeClr val="bg1"/>
+                </a:solidFill>
+              </a:rPr>
+              <a:t>Für jede Person in Sitzreihenfolge:</a:t>
+            </a:r>
+          </a:p>
+          <a:p>
+            <a:r>
+              <a:rPr lang="de-DE" dirty="0">
+                <a:solidFill>
+                  <a:schemeClr val="bg1"/>
+                </a:solidFill>
+              </a:rPr>
+              <a:t>Suche beste Sitzposition </a:t>
+            </a:r>
+          </a:p>
+          <a:p>
+            <a:r>
+              <a:rPr lang="de-DE" dirty="0">
+                <a:solidFill>
+                  <a:schemeClr val="bg1"/>
+                </a:solidFill>
+              </a:rPr>
+              <a:t>Wenn sich der Gesamtwert dadurch nicht verbessert – brich ab.</a:t>
+            </a:r>
+          </a:p>
+        </p:txBody>
+      </p:sp>
+      <p:pic>
+        <p:nvPicPr>
+          <p:cNvPr id="5" name="Grafik 4">
+            <a:extLst>
+              <a:ext uri="{FF2B5EF4-FFF2-40B4-BE49-F238E27FC236}">
+                <a16:creationId xmlns:a16="http://schemas.microsoft.com/office/drawing/2014/main" id="{0C1E3AC7-C57A-9C4D-BAD1-FFD18DCC926F}"/>
+              </a:ext>
+            </a:extLst>
+          </p:cNvPr>
+          <p:cNvPicPr>
+            <a:picLocks noChangeAspect="1"/>
+          </p:cNvPicPr>
+          <p:nvPr/>
+        </p:nvPicPr>
+        <p:blipFill rotWithShape="1">
+          <a:blip r:embed="rId2">
+            <a:extLst>
+              <a:ext uri="{28A0092B-C50C-407E-A947-70E740481C1C}">
+                <a14:useLocalDpi xmlns:a14="http://schemas.microsoft.com/office/drawing/2010/main" val="0"/>
+              </a:ext>
+            </a:extLst>
+          </a:blip>
+          <a:srcRect r="10977"/>
+          <a:stretch/>
+        </p:blipFill>
+        <p:spPr>
+          <a:xfrm>
+            <a:off x="4649214" y="749300"/>
+            <a:ext cx="7541091" cy="5359400"/>
+          </a:xfrm>
+          <a:prstGeom prst="rect">
+            <a:avLst/>
+          </a:prstGeom>
+        </p:spPr>
+      </p:pic>
+    </p:spTree>
+    <p:extLst>
+      <p:ext uri="{BB962C8B-B14F-4D97-AF65-F5344CB8AC3E}">
+        <p14:creationId xmlns:p14="http://schemas.microsoft.com/office/powerpoint/2010/main" val="3813747477"/>
       </p:ext>
     </p:extLst>
   </p:cSld>
@@ -19856,22 +19835,15 @@
           <a:p>
             <a:pPr algn="ctr"/>
             <a:r>
-              <a:rPr lang="de-DE" dirty="0" err="1">
+              <a:rPr lang="de-DE" dirty="0">
                 <a:solidFill>
                   <a:schemeClr val="accent4">
                     <a:lumMod val="75000"/>
                   </a:schemeClr>
                 </a:solidFill>
               </a:rPr>
-              <a:t>Shuffel</a:t>
+              <a:t>Shuffle</a:t>
             </a:r>
-            <a:endParaRPr lang="de-DE" dirty="0">
-              <a:solidFill>
-                <a:schemeClr val="accent4">
-                  <a:lumMod val="75000"/>
-                </a:schemeClr>
-              </a:solidFill>
-            </a:endParaRPr>
           </a:p>
           <a:p>
             <a:pPr algn="ctr"/>

--- a/Johannsen_Gollek_Kock_Fuchs_GWV_Tutorial_11.pptx
+++ b/Johannsen_Gollek_Kock_Fuchs_GWV_Tutorial_11.pptx
@@ -5027,7 +5027,12 @@
     <dgm:cxn modelId="{6BEBF720-54C6-40AD-8CEA-2D6BFD78043D}" srcId="{7E736765-FA10-46BC-A767-9DA403286DF9}" destId="{6C567E9F-F766-4B71-BED2-D70FE866A48B}" srcOrd="2" destOrd="0" parTransId="{E257AF35-0512-4A62-9B3D-05A8BB0C6495}" sibTransId="{598D925E-8E99-418C-9CD9-C7CFB0B88CBF}"/>
     <dgm:cxn modelId="{00B5F024-5ADF-4655-ACB2-EC0024FF16FA}" type="presOf" srcId="{EFCC339F-2AA0-4EA1-BD34-282A9CFAF2A5}" destId="{62ADE23E-E780-41C3-8AF2-B183703671A8}" srcOrd="0" destOrd="0" presId="urn:microsoft.com/office/officeart/2005/8/layout/hierarchy2"/>
     <dgm:cxn modelId="{1E38E72F-EB80-4CCF-8D00-179C72E2799F}" type="presOf" srcId="{937BEE1A-E55F-4819-B63D-31BB52A0C6AD}" destId="{8BBB6B20-E0A9-4B6F-A56D-39A6D86EF1F3}" srcOrd="0" destOrd="0" presId="urn:microsoft.com/office/officeart/2005/8/layout/hierarchy2"/>
+    <dgm:cxn modelId="{21141E5C-0231-406A-914D-6C84C1C8072C}" type="presOf" srcId="{F22796A5-40F4-4C64-993A-EDF7523DCBA1}" destId="{4F44E618-948F-4593-A7EF-135BA6ED2BBB}" srcOrd="1" destOrd="0" presId="urn:microsoft.com/office/officeart/2005/8/layout/hierarchy2"/>
+    <dgm:cxn modelId="{DFB6CB5C-998E-4912-9E14-AFB5F6E0634E}" type="presOf" srcId="{366D491C-9ED9-49A8-BD06-7A5395A640DD}" destId="{957B3DD7-EB27-4E8F-BAB9-FA3FDA8AD7F7}" srcOrd="0" destOrd="0" presId="urn:microsoft.com/office/officeart/2005/8/layout/hierarchy2"/>
+    <dgm:cxn modelId="{83363A5D-5CE0-4B22-BB09-DB04BEC1FC51}" type="presOf" srcId="{BF857D99-37A7-46A3-A478-186AF92D81C9}" destId="{50E13B76-7B12-4938-A72C-E3E6D388BB01}" srcOrd="1" destOrd="0" presId="urn:microsoft.com/office/officeart/2005/8/layout/hierarchy2"/>
     <dgm:cxn modelId="{CEE0B442-6CA1-49D7-A036-7D40091EAC51}" type="presOf" srcId="{C1138BEA-52E6-4B7F-9902-330FB4C968AF}" destId="{39EB5202-1766-4871-9A9D-EACA79299C8B}" srcOrd="1" destOrd="0" presId="urn:microsoft.com/office/officeart/2005/8/layout/hierarchy2"/>
+    <dgm:cxn modelId="{9DE9796B-A767-4177-A07F-4C646837DD2C}" type="presOf" srcId="{E257AF35-0512-4A62-9B3D-05A8BB0C6495}" destId="{BE361C11-67A4-4ADB-87CE-ACAA77F12B1D}" srcOrd="1" destOrd="0" presId="urn:microsoft.com/office/officeart/2005/8/layout/hierarchy2"/>
+    <dgm:cxn modelId="{978A1570-27C7-4A18-8A3D-FE4C276D6439}" type="presOf" srcId="{6761A08C-EA31-4373-A2DA-2F8491B9D1FF}" destId="{EC1E7AF9-8B92-486C-A415-63B9BFE41CDA}" srcOrd="0" destOrd="0" presId="urn:microsoft.com/office/officeart/2005/8/layout/hierarchy2"/>
     <dgm:cxn modelId="{D5B84150-C631-470B-86E0-9B7EFCB89FA7}" srcId="{366D491C-9ED9-49A8-BD06-7A5395A640DD}" destId="{B5D36CCE-7F73-4857-87C9-D570DDA64D27}" srcOrd="2" destOrd="0" parTransId="{C9FD2A48-7DAF-48F5-AAC8-33CDF9DB0136}" sibTransId="{E6EE0FB4-B647-4A89-A8E0-42F7C5A7EED5}"/>
     <dgm:cxn modelId="{33E76D50-D79A-4B6B-BAFB-2D4798081F10}" type="presOf" srcId="{F26B6673-5D5C-42EF-A20F-35DF063CF4EA}" destId="{6067B03A-2637-48D6-B72B-7DD6849E7D29}" srcOrd="1" destOrd="0" presId="urn:microsoft.com/office/officeart/2005/8/layout/hierarchy2"/>
     <dgm:cxn modelId="{010A8C50-F321-43AB-8300-EE4C3D23D63A}" type="presOf" srcId="{3E19D288-45D0-42A1-A530-E0932829F07D}" destId="{261F2EE2-D172-4BD6-B566-822DE2168180}" srcOrd="0" destOrd="0" presId="urn:microsoft.com/office/officeart/2005/8/layout/hierarchy2"/>
@@ -5036,16 +5041,11 @@
     <dgm:cxn modelId="{743DD452-BC98-4D94-8A17-ECA681B000D6}" type="presOf" srcId="{BF857D99-37A7-46A3-A478-186AF92D81C9}" destId="{2196DF98-4DC3-4C8A-A40B-321D89D55400}" srcOrd="0" destOrd="0" presId="urn:microsoft.com/office/officeart/2005/8/layout/hierarchy2"/>
     <dgm:cxn modelId="{B0395355-2F4B-4296-A648-01CCF5CA554E}" type="presOf" srcId="{8E3D5E3F-DBD6-492E-B605-1456247F5EBE}" destId="{E3D133DB-C021-40B0-97C1-15E910DF3267}" srcOrd="0" destOrd="0" presId="urn:microsoft.com/office/officeart/2005/8/layout/hierarchy2"/>
     <dgm:cxn modelId="{A0003856-3C50-4044-8A68-162A5283D15C}" type="presOf" srcId="{540375EB-1E7A-4B8F-B800-2CE2D659C31D}" destId="{6FAE95C6-40F8-40D9-AAB3-80A201B4DC2B}" srcOrd="0" destOrd="0" presId="urn:microsoft.com/office/officeart/2005/8/layout/hierarchy2"/>
-    <dgm:cxn modelId="{4C840F59-2651-4076-9E13-FEFC2EF75CD0}" type="presOf" srcId="{6A40CE51-CA2C-4718-9A3A-3C9A2279E605}" destId="{4C44898E-20E6-4E66-BDEA-9C8D6F2635BD}" srcOrd="0" destOrd="0" presId="urn:microsoft.com/office/officeart/2005/8/layout/hierarchy2"/>
-    <dgm:cxn modelId="{8A4DD859-E6E0-48FB-BBD2-57DEB9B25C46}" type="presOf" srcId="{534D7F7A-6860-40D7-88E2-495833B2B310}" destId="{04BD8892-FF00-49FC-AFAB-E1B26B045A29}" srcOrd="0" destOrd="0" presId="urn:microsoft.com/office/officeart/2005/8/layout/hierarchy2"/>
-    <dgm:cxn modelId="{21141E5C-0231-406A-914D-6C84C1C8072C}" type="presOf" srcId="{F22796A5-40F4-4C64-993A-EDF7523DCBA1}" destId="{4F44E618-948F-4593-A7EF-135BA6ED2BBB}" srcOrd="1" destOrd="0" presId="urn:microsoft.com/office/officeart/2005/8/layout/hierarchy2"/>
-    <dgm:cxn modelId="{DFB6CB5C-998E-4912-9E14-AFB5F6E0634E}" type="presOf" srcId="{366D491C-9ED9-49A8-BD06-7A5395A640DD}" destId="{957B3DD7-EB27-4E8F-BAB9-FA3FDA8AD7F7}" srcOrd="0" destOrd="0" presId="urn:microsoft.com/office/officeart/2005/8/layout/hierarchy2"/>
-    <dgm:cxn modelId="{83363A5D-5CE0-4B22-BB09-DB04BEC1FC51}" type="presOf" srcId="{BF857D99-37A7-46A3-A478-186AF92D81C9}" destId="{50E13B76-7B12-4938-A72C-E3E6D388BB01}" srcOrd="1" destOrd="0" presId="urn:microsoft.com/office/officeart/2005/8/layout/hierarchy2"/>
-    <dgm:cxn modelId="{9DE9796B-A767-4177-A07F-4C646837DD2C}" type="presOf" srcId="{E257AF35-0512-4A62-9B3D-05A8BB0C6495}" destId="{BE361C11-67A4-4ADB-87CE-ACAA77F12B1D}" srcOrd="1" destOrd="0" presId="urn:microsoft.com/office/officeart/2005/8/layout/hierarchy2"/>
-    <dgm:cxn modelId="{978A1570-27C7-4A18-8A3D-FE4C276D6439}" type="presOf" srcId="{6761A08C-EA31-4373-A2DA-2F8491B9D1FF}" destId="{EC1E7AF9-8B92-486C-A415-63B9BFE41CDA}" srcOrd="0" destOrd="0" presId="urn:microsoft.com/office/officeart/2005/8/layout/hierarchy2"/>
     <dgm:cxn modelId="{FEE17976-AD9B-4D2F-8426-768F1E678D71}" type="presOf" srcId="{56220A94-95E6-479C-AC1E-346415A7C8F5}" destId="{28BBB6E2-0FCB-478B-AC3C-01E6200B7D50}" srcOrd="0" destOrd="0" presId="urn:microsoft.com/office/officeart/2005/8/layout/hierarchy2"/>
     <dgm:cxn modelId="{C1D5B577-8048-4F6B-BD52-315BCF61D314}" type="presOf" srcId="{5B2CA671-5AB0-4E07-8F2F-5B0456D6FD9E}" destId="{9CF5C9BF-14F5-48B5-B1B9-AC7DAC1B15C0}" srcOrd="0" destOrd="0" presId="urn:microsoft.com/office/officeart/2005/8/layout/hierarchy2"/>
+    <dgm:cxn modelId="{4C840F59-2651-4076-9E13-FEFC2EF75CD0}" type="presOf" srcId="{6A40CE51-CA2C-4718-9A3A-3C9A2279E605}" destId="{4C44898E-20E6-4E66-BDEA-9C8D6F2635BD}" srcOrd="0" destOrd="0" presId="urn:microsoft.com/office/officeart/2005/8/layout/hierarchy2"/>
     <dgm:cxn modelId="{286E2F79-FE37-45B0-A702-426557774669}" type="presOf" srcId="{E1F34782-E0A0-409C-A2D9-7583534B518A}" destId="{0CBB6B77-381B-4469-852E-85F6AF919D00}" srcOrd="1" destOrd="0" presId="urn:microsoft.com/office/officeart/2005/8/layout/hierarchy2"/>
+    <dgm:cxn modelId="{8A4DD859-E6E0-48FB-BBD2-57DEB9B25C46}" type="presOf" srcId="{534D7F7A-6860-40D7-88E2-495833B2B310}" destId="{04BD8892-FF00-49FC-AFAB-E1B26B045A29}" srcOrd="0" destOrd="0" presId="urn:microsoft.com/office/officeart/2005/8/layout/hierarchy2"/>
     <dgm:cxn modelId="{A873F27D-C327-4BCE-9BD6-0CE603A9747B}" type="presOf" srcId="{3E19D288-45D0-42A1-A530-E0932829F07D}" destId="{845E3D3A-7F0B-4C8D-B32C-3FB19BD2F928}" srcOrd="1" destOrd="0" presId="urn:microsoft.com/office/officeart/2005/8/layout/hierarchy2"/>
     <dgm:cxn modelId="{9326E280-1776-43C5-8C8B-630213E0BD84}" type="presOf" srcId="{08695B70-B818-4F63-B1EF-BA819DC219D0}" destId="{A95D9854-B85F-42AB-8630-B32E1C554CF8}" srcOrd="0" destOrd="0" presId="urn:microsoft.com/office/officeart/2005/8/layout/hierarchy2"/>
     <dgm:cxn modelId="{8A90F183-0CB6-4A93-BF5D-6BA21CD2161C}" type="presOf" srcId="{4C183E6A-4878-4CE9-88F0-571D197CC478}" destId="{8583799C-6957-4279-BFA6-3DFCBAD64319}" srcOrd="1" destOrd="0" presId="urn:microsoft.com/office/officeart/2005/8/layout/hierarchy2"/>
@@ -11734,7 +11734,7 @@
             <a:pPr rtl="0"/>
             <a:fld id="{596F7AAD-4E32-493B-9143-7857541B1B7A}" type="datetime1">
               <a:rPr lang="de-DE" smtClean="0"/>
-              <a:t>22.01.19</a:t>
+              <a:t>22.01.2019</a:t>
             </a:fld>
             <a:endParaRPr lang="de-DE" dirty="0"/>
           </a:p>
@@ -11904,7 +11904,7 @@
             <a:pPr rtl="0"/>
             <a:fld id="{629381CA-3454-4486-8E1C-41DAA1DBA7A2}" type="datetime1">
               <a:rPr lang="de-DE" smtClean="0"/>
-              <a:t>22.01.19</a:t>
+              <a:t>22.01.2019</a:t>
             </a:fld>
             <a:endParaRPr lang="de-DE" dirty="0"/>
           </a:p>
@@ -12421,9 +12421,9 @@
           <a:bodyPr/>
           <a:lstStyle/>
           <a:p>
-            <a:fld id="{1160EA64-D806-43AC-9DF2-F8C432F32B4C}" type="datetimeFigureOut">
-              <a:rPr lang="en-US" dirty="0"/>
-              <a:t>1/22/19</a:t>
+            <a:fld id="{57D7E0A6-A9EA-4749-95E3-781A5B57A3AD}" type="datetime1">
+              <a:rPr lang="de-DE" smtClean="0"/>
+              <a:t>22.01.2019</a:t>
             </a:fld>
             <a:endParaRPr lang="en-US" dirty="0"/>
           </a:p>
@@ -12605,9 +12605,9 @@
           <a:lstStyle/>
           <a:p>
             <a:pPr rtl="0"/>
-            <a:fld id="{F853C35F-FBF4-4345-94FE-7C356BDC4E7C}" type="datetime1">
+            <a:fld id="{E3576799-3CB4-4705-BCE5-E8E09E8FF2D6}" type="datetime1">
               <a:rPr lang="de-DE" smtClean="0"/>
-              <a:t>22.01.19</a:t>
+              <a:t>22.01.2019</a:t>
             </a:fld>
             <a:endParaRPr lang="de-DE" dirty="0"/>
           </a:p>
@@ -12800,9 +12800,9 @@
           <a:lstStyle/>
           <a:p>
             <a:pPr rtl="0"/>
-            <a:fld id="{52CDA82A-C872-4250-A483-7FE20BF13E38}" type="datetime1">
+            <a:fld id="{AE20ED9B-434C-44AE-B608-9B116BF58B75}" type="datetime1">
               <a:rPr lang="de-DE" smtClean="0"/>
-              <a:t>22.01.19</a:t>
+              <a:t>22.01.2019</a:t>
             </a:fld>
             <a:endParaRPr lang="de-DE" dirty="0"/>
           </a:p>
@@ -12954,9 +12954,9 @@
           <a:lstStyle/>
           <a:p>
             <a:pPr rtl="0"/>
-            <a:fld id="{97F73663-BF2F-4471-9530-8437E90AE323}" type="datetime1">
+            <a:fld id="{931F7878-BF9D-4888-915A-51028E43405B}" type="datetime1">
               <a:rPr lang="de-DE" smtClean="0"/>
-              <a:t>22.01.19</a:t>
+              <a:t>22.01.2019</a:t>
             </a:fld>
             <a:endParaRPr lang="de-DE" dirty="0"/>
           </a:p>
@@ -13095,9 +13095,9 @@
           <a:lstStyle/>
           <a:p>
             <a:pPr rtl="0"/>
-            <a:fld id="{C9238AB1-56AF-4C2E-AF6E-8E2C93E1C7FC}" type="datetime1">
+            <a:fld id="{959B4C85-A362-49F5-93DF-A5D1D91E6FA9}" type="datetime1">
               <a:rPr lang="de-DE" smtClean="0"/>
-              <a:t>22.01.19</a:t>
+              <a:t>22.01.2019</a:t>
             </a:fld>
             <a:endParaRPr lang="de-DE" dirty="0"/>
           </a:p>
@@ -13378,9 +13378,9 @@
           <a:lstStyle/>
           <a:p>
             <a:pPr rtl="0"/>
-            <a:fld id="{F6217F63-A2E4-4C6D-9C5F-3A0056DF06E2}" type="datetime1">
+            <a:fld id="{01C7D575-F857-4295-9FC5-D87F40EF3908}" type="datetime1">
               <a:rPr lang="de-DE" smtClean="0"/>
-              <a:t>22.01.19</a:t>
+              <a:t>22.01.2019</a:t>
             </a:fld>
             <a:endParaRPr lang="de-DE" dirty="0"/>
           </a:p>
@@ -13441,7 +13441,6 @@
   <p:clrMapOvr>
     <a:overrideClrMapping bg1="dk1" tx1="lt1" bg2="dk2" tx2="lt2" accent1="accent1" accent2="accent2" accent3="accent3" accent4="accent4" accent5="accent5" accent6="accent6" hlink="hlink" folHlink="folHlink"/>
   </p:clrMapOvr>
-  <p:hf sldNum="0" hdr="0" ftr="0" dt="0"/>
 </p:sldLayout>
 </file>
 
@@ -13615,9 +13614,9 @@
           <a:lstStyle/>
           <a:p>
             <a:pPr rtl="0"/>
-            <a:fld id="{34415A36-1D33-4189-B6E1-470A4B0AE62D}" type="datetime1">
+            <a:fld id="{92F06684-466F-4ED9-9DB4-18E0D205072F}" type="datetime1">
               <a:rPr lang="de-DE" smtClean="0"/>
-              <a:t>22.01.19</a:t>
+              <a:t>22.01.2019</a:t>
             </a:fld>
             <a:endParaRPr lang="de-DE" dirty="0"/>
           </a:p>
@@ -13989,9 +13988,9 @@
           <a:lstStyle/>
           <a:p>
             <a:pPr rtl="0"/>
-            <a:fld id="{F6217F63-A2E4-4C6D-9C5F-3A0056DF06E2}" type="datetime1">
+            <a:fld id="{29733511-ABD9-45FA-95F4-D5FB6BCA68B4}" type="datetime1">
               <a:rPr lang="de-DE" smtClean="0"/>
-              <a:t>22.01.19</a:t>
+              <a:t>22.01.2019</a:t>
             </a:fld>
             <a:endParaRPr lang="de-DE" dirty="0"/>
           </a:p>
@@ -14075,7 +14074,6 @@
   <p:clrMapOvr>
     <a:masterClrMapping/>
   </p:clrMapOvr>
-  <p:hf sldNum="0" hdr="0" ftr="0" dt="0"/>
 </p:sldLayout>
 </file>
 
@@ -14135,9 +14133,9 @@
           <a:lstStyle/>
           <a:p>
             <a:pPr rtl="0"/>
-            <a:fld id="{7E2AF863-D3B5-4A76-8706-AEB5B78FDCDC}" type="datetime1">
+            <a:fld id="{0D385308-F4A4-468E-880E-B164331E575F}" type="datetime1">
               <a:rPr lang="de-DE" smtClean="0"/>
-              <a:t>22.01.19</a:t>
+              <a:t>22.01.2019</a:t>
             </a:fld>
             <a:endParaRPr lang="de-DE" dirty="0"/>
           </a:p>
@@ -14245,9 +14243,9 @@
           <a:lstStyle/>
           <a:p>
             <a:pPr rtl="0"/>
-            <a:fld id="{97F73663-BF2F-4471-9530-8437E90AE323}" type="datetime1">
+            <a:fld id="{7F77B957-457C-454F-ADBD-D4B0545FAE9A}" type="datetime1">
               <a:rPr lang="de-DE" smtClean="0"/>
-              <a:t>22.01.19</a:t>
+              <a:t>22.01.2019</a:t>
             </a:fld>
             <a:endParaRPr lang="de-DE" dirty="0"/>
           </a:p>
@@ -14617,9 +14615,9 @@
           <a:lstStyle/>
           <a:p>
             <a:pPr rtl="0"/>
-            <a:fld id="{F6217F63-A2E4-4C6D-9C5F-3A0056DF06E2}" type="datetime1">
+            <a:fld id="{9936B011-39C7-4D24-BB87-8ACB942CED29}" type="datetime1">
               <a:rPr lang="de-DE" smtClean="0"/>
-              <a:t>22.01.19</a:t>
+              <a:t>22.01.2019</a:t>
             </a:fld>
             <a:endParaRPr lang="de-DE" dirty="0"/>
           </a:p>
@@ -14695,7 +14693,6 @@
   <p:clrMapOvr>
     <a:masterClrMapping/>
   </p:clrMapOvr>
-  <p:hf sldNum="0" hdr="0" ftr="0" dt="0"/>
 </p:sldLayout>
 </file>
 
@@ -14979,9 +14976,9 @@
           </a:lstStyle>
           <a:p>
             <a:pPr rtl="0"/>
-            <a:fld id="{F6217F63-A2E4-4C6D-9C5F-3A0056DF06E2}" type="datetime1">
+            <a:fld id="{BB61A0D9-F59B-45EF-8D3F-52A4F5683050}" type="datetime1">
               <a:rPr lang="de-DE" smtClean="0"/>
-              <a:t>22.01.19</a:t>
+              <a:t>22.01.2019</a:t>
             </a:fld>
             <a:endParaRPr lang="de-DE" dirty="0"/>
           </a:p>
@@ -15057,7 +15054,6 @@
   <p:clrMapOvr>
     <a:masterClrMapping/>
   </p:clrMapOvr>
-  <p:hf sldNum="0" hdr="0" ftr="0" dt="0"/>
 </p:sldLayout>
 </file>
 
@@ -15225,9 +15221,9 @@
           </a:lstStyle>
           <a:p>
             <a:pPr rtl="0"/>
-            <a:fld id="{F6217F63-A2E4-4C6D-9C5F-3A0056DF06E2}" type="datetime1">
+            <a:fld id="{A536592E-E6D1-41DC-AB6F-BECEF3358F10}" type="datetime1">
               <a:rPr lang="de-DE" smtClean="0"/>
-              <a:t>22.01.19</a:t>
+              <a:t>22.01.2019</a:t>
             </a:fld>
             <a:endParaRPr lang="de-DE" dirty="0"/>
           </a:p>
@@ -15353,7 +15349,7 @@
       </p:transition>
     </mc:Fallback>
   </mc:AlternateContent>
-  <p:hf sldNum="0" hdr="0" ftr="0" dt="0"/>
+  <p:hf hdr="0" ftr="0" dt="0"/>
   <p:txStyles>
     <p:titleStyle>
       <a:lvl1pPr algn="ctr" defTabSz="914400" rtl="0" eaLnBrk="1" latinLnBrk="0" hangingPunct="1">
@@ -15676,7 +15672,7 @@
       </a:lvl9pPr>
     </p:otherStyle>
   </p:txStyles>
-  <p:extLst>
+  <p:extLst mod="1">
     <p:ext uri="{27BBF7A9-308A-43DC-89C8-2F10F3537804}">
       <p15:sldGuideLst xmlns:p15="http://schemas.microsoft.com/office/powerpoint/2012/main">
         <p15:guide id="1" pos="3840" userDrawn="1">
@@ -15908,6 +15904,36 @@
               </a:rPr>
               <a:t> | Malte Johannsen | Marius Kock </a:t>
             </a:r>
+          </a:p>
+        </p:txBody>
+      </p:sp>
+      <p:sp>
+        <p:nvSpPr>
+          <p:cNvPr id="4" name="Foliennummernplatzhalter 3">
+            <a:extLst>
+              <a:ext uri="{FF2B5EF4-FFF2-40B4-BE49-F238E27FC236}">
+                <a16:creationId xmlns:a16="http://schemas.microsoft.com/office/drawing/2014/main" id="{448F89B3-FA04-4483-A6B8-47CBC74504A5}"/>
+              </a:ext>
+            </a:extLst>
+          </p:cNvPr>
+          <p:cNvSpPr>
+            <a:spLocks noGrp="1"/>
+          </p:cNvSpPr>
+          <p:nvPr>
+            <p:ph type="sldNum" sz="quarter" idx="12"/>
+          </p:nvPr>
+        </p:nvSpPr>
+        <p:spPr/>
+        <p:txBody>
+          <a:bodyPr/>
+          <a:lstStyle/>
+          <a:p>
+            <a:fld id="{8A7A6979-0714-4377-B894-6BE4C2D6E202}" type="slidenum">
+              <a:rPr lang="en-US" smtClean="0"/>
+              <a:pPr/>
+              <a:t>1</a:t>
+            </a:fld>
+            <a:endParaRPr lang="en-US" dirty="0"/>
           </a:p>
         </p:txBody>
       </p:sp>
@@ -16158,6 +16184,36 @@
           </a:graphicData>
         </a:graphic>
       </p:graphicFrame>
+      <p:sp>
+        <p:nvSpPr>
+          <p:cNvPr id="3" name="Foliennummernplatzhalter 2">
+            <a:extLst>
+              <a:ext uri="{FF2B5EF4-FFF2-40B4-BE49-F238E27FC236}">
+                <a16:creationId xmlns:a16="http://schemas.microsoft.com/office/drawing/2014/main" id="{CED3B0FD-5AB6-4D50-BD18-6E2B93530187}"/>
+              </a:ext>
+            </a:extLst>
+          </p:cNvPr>
+          <p:cNvSpPr>
+            <a:spLocks noGrp="1"/>
+          </p:cNvSpPr>
+          <p:nvPr>
+            <p:ph type="sldNum" sz="quarter" idx="12"/>
+          </p:nvPr>
+        </p:nvSpPr>
+        <p:spPr/>
+        <p:txBody>
+          <a:bodyPr/>
+          <a:lstStyle/>
+          <a:p>
+            <a:pPr rtl="0"/>
+            <a:fld id="{5F4C9F40-B079-4B71-A627-7266DFEA7F03}" type="slidenum">
+              <a:rPr lang="de-DE" smtClean="0"/>
+              <a:t>10</a:t>
+            </a:fld>
+            <a:endParaRPr lang="de-DE" dirty="0"/>
+          </a:p>
+        </p:txBody>
+      </p:sp>
     </p:spTree>
     <p:extLst>
       <p:ext uri="{BB962C8B-B14F-4D97-AF65-F5344CB8AC3E}">
@@ -16504,6 +16560,36 @@
           </a:p>
         </p:txBody>
       </p:sp>
+      <p:sp>
+        <p:nvSpPr>
+          <p:cNvPr id="4" name="Foliennummernplatzhalter 3">
+            <a:extLst>
+              <a:ext uri="{FF2B5EF4-FFF2-40B4-BE49-F238E27FC236}">
+                <a16:creationId xmlns:a16="http://schemas.microsoft.com/office/drawing/2014/main" id="{6940616C-733B-4EC5-92D9-DFA2822F83BD}"/>
+              </a:ext>
+            </a:extLst>
+          </p:cNvPr>
+          <p:cNvSpPr>
+            <a:spLocks noGrp="1"/>
+          </p:cNvSpPr>
+          <p:nvPr>
+            <p:ph type="sldNum" sz="quarter" idx="12"/>
+          </p:nvPr>
+        </p:nvSpPr>
+        <p:spPr/>
+        <p:txBody>
+          <a:bodyPr/>
+          <a:lstStyle/>
+          <a:p>
+            <a:pPr rtl="0"/>
+            <a:fld id="{5F4C9F40-B079-4B71-A627-7266DFEA7F03}" type="slidenum">
+              <a:rPr lang="de-DE" smtClean="0"/>
+              <a:t>2</a:t>
+            </a:fld>
+            <a:endParaRPr lang="de-DE" dirty="0"/>
+          </a:p>
+        </p:txBody>
+      </p:sp>
     </p:spTree>
     <p:extLst>
       <p:ext uri="{BB962C8B-B14F-4D97-AF65-F5344CB8AC3E}">
@@ -16613,6 +16699,36 @@
           </a:graphicData>
         </a:graphic>
       </p:graphicFrame>
+      <p:sp>
+        <p:nvSpPr>
+          <p:cNvPr id="3" name="Foliennummernplatzhalter 2">
+            <a:extLst>
+              <a:ext uri="{FF2B5EF4-FFF2-40B4-BE49-F238E27FC236}">
+                <a16:creationId xmlns:a16="http://schemas.microsoft.com/office/drawing/2014/main" id="{6153EE57-B584-4BB6-AA62-693A7322E754}"/>
+              </a:ext>
+            </a:extLst>
+          </p:cNvPr>
+          <p:cNvSpPr>
+            <a:spLocks noGrp="1"/>
+          </p:cNvSpPr>
+          <p:nvPr>
+            <p:ph type="sldNum" sz="quarter" idx="12"/>
+          </p:nvPr>
+        </p:nvSpPr>
+        <p:spPr/>
+        <p:txBody>
+          <a:bodyPr/>
+          <a:lstStyle/>
+          <a:p>
+            <a:pPr rtl="0"/>
+            <a:fld id="{5F4C9F40-B079-4B71-A627-7266DFEA7F03}" type="slidenum">
+              <a:rPr lang="de-DE" smtClean="0"/>
+              <a:t>3</a:t>
+            </a:fld>
+            <a:endParaRPr lang="de-DE" dirty="0"/>
+          </a:p>
+        </p:txBody>
+      </p:sp>
     </p:spTree>
     <p:extLst>
       <p:ext uri="{BB962C8B-B14F-4D97-AF65-F5344CB8AC3E}">
@@ -17817,6 +17933,9 @@
             <a:avLst/>
           </a:prstGeom>
           <a:ln>
+            <a:solidFill>
+              <a:srgbClr val="FF0000"/>
+            </a:solidFill>
             <a:tailEnd type="triangle"/>
           </a:ln>
         </p:spPr>
@@ -17860,18 +17979,21 @@
             <a:avLst/>
           </a:prstGeom>
           <a:ln>
+            <a:solidFill>
+              <a:srgbClr val="00B050"/>
+            </a:solidFill>
             <a:tailEnd type="triangle"/>
           </a:ln>
         </p:spPr>
         <p:style>
           <a:lnRef idx="3">
-            <a:schemeClr val="accent4"/>
+            <a:schemeClr val="accent3"/>
           </a:lnRef>
           <a:fillRef idx="0">
-            <a:schemeClr val="accent4"/>
+            <a:schemeClr val="accent3"/>
           </a:fillRef>
           <a:effectRef idx="2">
-            <a:schemeClr val="accent4"/>
+            <a:schemeClr val="accent3"/>
           </a:effectRef>
           <a:fontRef idx="minor">
             <a:schemeClr val="tx1"/>
@@ -17987,18 +18109,21 @@
             <a:avLst/>
           </a:prstGeom>
           <a:ln>
+            <a:solidFill>
+              <a:srgbClr val="00B050"/>
+            </a:solidFill>
             <a:tailEnd type="triangle"/>
           </a:ln>
         </p:spPr>
         <p:style>
           <a:lnRef idx="3">
-            <a:schemeClr val="accent4"/>
+            <a:schemeClr val="accent3"/>
           </a:lnRef>
           <a:fillRef idx="0">
-            <a:schemeClr val="accent4"/>
+            <a:schemeClr val="accent3"/>
           </a:fillRef>
           <a:effectRef idx="2">
-            <a:schemeClr val="accent4"/>
+            <a:schemeClr val="accent3"/>
           </a:effectRef>
           <a:fontRef idx="minor">
             <a:schemeClr val="tx1"/>
@@ -18030,6 +18155,9 @@
             <a:avLst/>
           </a:prstGeom>
           <a:ln>
+            <a:solidFill>
+              <a:srgbClr val="FF0000"/>
+            </a:solidFill>
             <a:tailEnd type="triangle"/>
           </a:ln>
         </p:spPr>
@@ -18048,6 +18176,36 @@
           </a:fontRef>
         </p:style>
       </p:cxnSp>
+      <p:sp>
+        <p:nvSpPr>
+          <p:cNvPr id="8" name="Foliennummernplatzhalter 7">
+            <a:extLst>
+              <a:ext uri="{FF2B5EF4-FFF2-40B4-BE49-F238E27FC236}">
+                <a16:creationId xmlns:a16="http://schemas.microsoft.com/office/drawing/2014/main" id="{677D64C0-8A0F-410E-89BA-FA6C9816601C}"/>
+              </a:ext>
+            </a:extLst>
+          </p:cNvPr>
+          <p:cNvSpPr>
+            <a:spLocks noGrp="1"/>
+          </p:cNvSpPr>
+          <p:nvPr>
+            <p:ph type="sldNum" sz="quarter" idx="12"/>
+          </p:nvPr>
+        </p:nvSpPr>
+        <p:spPr/>
+        <p:txBody>
+          <a:bodyPr/>
+          <a:lstStyle/>
+          <a:p>
+            <a:pPr rtl="0"/>
+            <a:fld id="{5F4C9F40-B079-4B71-A627-7266DFEA7F03}" type="slidenum">
+              <a:rPr lang="de-DE" smtClean="0"/>
+              <a:t>4</a:t>
+            </a:fld>
+            <a:endParaRPr lang="de-DE" dirty="0"/>
+          </a:p>
+        </p:txBody>
+      </p:sp>
     </p:spTree>
     <p:extLst>
       <p:ext uri="{BB962C8B-B14F-4D97-AF65-F5344CB8AC3E}">
@@ -18360,6 +18518,36 @@
           </a:prstGeom>
         </p:spPr>
       </p:pic>
+      <p:sp>
+        <p:nvSpPr>
+          <p:cNvPr id="4" name="Foliennummernplatzhalter 3">
+            <a:extLst>
+              <a:ext uri="{FF2B5EF4-FFF2-40B4-BE49-F238E27FC236}">
+                <a16:creationId xmlns:a16="http://schemas.microsoft.com/office/drawing/2014/main" id="{408A66FA-0C9C-471E-A680-3581827D2B97}"/>
+              </a:ext>
+            </a:extLst>
+          </p:cNvPr>
+          <p:cNvSpPr>
+            <a:spLocks noGrp="1"/>
+          </p:cNvSpPr>
+          <p:nvPr>
+            <p:ph type="sldNum" sz="quarter" idx="12"/>
+          </p:nvPr>
+        </p:nvSpPr>
+        <p:spPr/>
+        <p:txBody>
+          <a:bodyPr/>
+          <a:lstStyle/>
+          <a:p>
+            <a:pPr rtl="0"/>
+            <a:fld id="{5F4C9F40-B079-4B71-A627-7266DFEA7F03}" type="slidenum">
+              <a:rPr lang="de-DE" smtClean="0"/>
+              <a:t>5</a:t>
+            </a:fld>
+            <a:endParaRPr lang="de-DE" dirty="0"/>
+          </a:p>
+        </p:txBody>
+      </p:sp>
     </p:spTree>
     <p:extLst>
       <p:ext uri="{BB962C8B-B14F-4D97-AF65-F5344CB8AC3E}">
@@ -19575,6 +19763,9 @@
             <a:avLst/>
           </a:prstGeom>
           <a:ln>
+            <a:solidFill>
+              <a:srgbClr val="FF0000"/>
+            </a:solidFill>
             <a:tailEnd type="triangle"/>
           </a:ln>
         </p:spPr>
@@ -19618,6 +19809,9 @@
             <a:avLst/>
           </a:prstGeom>
           <a:ln>
+            <a:solidFill>
+              <a:srgbClr val="00B050"/>
+            </a:solidFill>
             <a:tailEnd type="triangle"/>
           </a:ln>
         </p:spPr>
@@ -19744,6 +19938,9 @@
             <a:avLst/>
           </a:prstGeom>
           <a:ln>
+            <a:solidFill>
+              <a:srgbClr val="00B050"/>
+            </a:solidFill>
             <a:tailEnd type="triangle"/>
           </a:ln>
         </p:spPr>
@@ -19787,6 +19984,9 @@
             <a:avLst/>
           </a:prstGeom>
           <a:ln>
+            <a:solidFill>
+              <a:srgbClr val="FF0000"/>
+            </a:solidFill>
             <a:tailEnd type="triangle"/>
           </a:ln>
         </p:spPr>
@@ -19837,9 +20037,7 @@
             <a:r>
               <a:rPr lang="de-DE" dirty="0">
                 <a:solidFill>
-                  <a:schemeClr val="accent4">
-                    <a:lumMod val="75000"/>
-                  </a:schemeClr>
+                  <a:srgbClr val="00B050"/>
                 </a:solidFill>
               </a:rPr>
               <a:t>Shuffle</a:t>
@@ -19850,13 +20048,41 @@
             <a:r>
               <a:rPr lang="de-DE" dirty="0">
                 <a:solidFill>
-                  <a:schemeClr val="accent4">
-                    <a:lumMod val="75000"/>
-                  </a:schemeClr>
+                  <a:srgbClr val="00B050"/>
                 </a:solidFill>
               </a:rPr>
               <a:t>Sitzreinfolge</a:t>
             </a:r>
+          </a:p>
+        </p:txBody>
+      </p:sp>
+      <p:sp>
+        <p:nvSpPr>
+          <p:cNvPr id="8" name="Foliennummernplatzhalter 7">
+            <a:extLst>
+              <a:ext uri="{FF2B5EF4-FFF2-40B4-BE49-F238E27FC236}">
+                <a16:creationId xmlns:a16="http://schemas.microsoft.com/office/drawing/2014/main" id="{F1B1AAC6-D18A-4F94-8D71-8606F978CAC7}"/>
+              </a:ext>
+            </a:extLst>
+          </p:cNvPr>
+          <p:cNvSpPr>
+            <a:spLocks noGrp="1"/>
+          </p:cNvSpPr>
+          <p:nvPr>
+            <p:ph type="sldNum" sz="quarter" idx="12"/>
+          </p:nvPr>
+        </p:nvSpPr>
+        <p:spPr/>
+        <p:txBody>
+          <a:bodyPr/>
+          <a:lstStyle/>
+          <a:p>
+            <a:pPr rtl="0"/>
+            <a:fld id="{5F4C9F40-B079-4B71-A627-7266DFEA7F03}" type="slidenum">
+              <a:rPr lang="de-DE" smtClean="0"/>
+              <a:t>6</a:t>
+            </a:fld>
+            <a:endParaRPr lang="de-DE" dirty="0"/>
           </a:p>
         </p:txBody>
       </p:sp>
@@ -19978,6 +20204,36 @@
           </a:graphicData>
         </a:graphic>
       </p:graphicFrame>
+      <p:sp>
+        <p:nvSpPr>
+          <p:cNvPr id="3" name="Foliennummernplatzhalter 2">
+            <a:extLst>
+              <a:ext uri="{FF2B5EF4-FFF2-40B4-BE49-F238E27FC236}">
+                <a16:creationId xmlns:a16="http://schemas.microsoft.com/office/drawing/2014/main" id="{17693ED7-296E-463D-A579-1D2A3B2C50E7}"/>
+              </a:ext>
+            </a:extLst>
+          </p:cNvPr>
+          <p:cNvSpPr>
+            <a:spLocks noGrp="1"/>
+          </p:cNvSpPr>
+          <p:nvPr>
+            <p:ph type="sldNum" sz="quarter" idx="12"/>
+          </p:nvPr>
+        </p:nvSpPr>
+        <p:spPr/>
+        <p:txBody>
+          <a:bodyPr/>
+          <a:lstStyle/>
+          <a:p>
+            <a:pPr rtl="0"/>
+            <a:fld id="{5F4C9F40-B079-4B71-A627-7266DFEA7F03}" type="slidenum">
+              <a:rPr lang="de-DE" smtClean="0"/>
+              <a:t>7</a:t>
+            </a:fld>
+            <a:endParaRPr lang="de-DE" dirty="0"/>
+          </a:p>
+        </p:txBody>
+      </p:sp>
     </p:spTree>
     <p:extLst>
       <p:ext uri="{BB962C8B-B14F-4D97-AF65-F5344CB8AC3E}">
@@ -22049,6 +22305,36 @@
           </a:p>
         </p:txBody>
       </p:sp>
+      <p:sp>
+        <p:nvSpPr>
+          <p:cNvPr id="3" name="Foliennummernplatzhalter 2">
+            <a:extLst>
+              <a:ext uri="{FF2B5EF4-FFF2-40B4-BE49-F238E27FC236}">
+                <a16:creationId xmlns:a16="http://schemas.microsoft.com/office/drawing/2014/main" id="{3F620E9E-70DC-47D7-AF88-93F70885B4F4}"/>
+              </a:ext>
+            </a:extLst>
+          </p:cNvPr>
+          <p:cNvSpPr>
+            <a:spLocks noGrp="1"/>
+          </p:cNvSpPr>
+          <p:nvPr>
+            <p:ph type="sldNum" sz="quarter" idx="12"/>
+          </p:nvPr>
+        </p:nvSpPr>
+        <p:spPr/>
+        <p:txBody>
+          <a:bodyPr/>
+          <a:lstStyle/>
+          <a:p>
+            <a:pPr rtl="0"/>
+            <a:fld id="{5F4C9F40-B079-4B71-A627-7266DFEA7F03}" type="slidenum">
+              <a:rPr lang="de-DE" smtClean="0"/>
+              <a:t>8</a:t>
+            </a:fld>
+            <a:endParaRPr lang="de-DE" dirty="0"/>
+          </a:p>
+        </p:txBody>
+      </p:sp>
     </p:spTree>
     <p:extLst>
       <p:ext uri="{BB962C8B-B14F-4D97-AF65-F5344CB8AC3E}">
@@ -23533,6 +23819,36 @@
           </a:graphicData>
         </a:graphic>
       </p:graphicFrame>
+      <p:sp>
+        <p:nvSpPr>
+          <p:cNvPr id="3" name="Foliennummernplatzhalter 2">
+            <a:extLst>
+              <a:ext uri="{FF2B5EF4-FFF2-40B4-BE49-F238E27FC236}">
+                <a16:creationId xmlns:a16="http://schemas.microsoft.com/office/drawing/2014/main" id="{879226B8-CBA9-4C23-B262-4CA9140C8BE4}"/>
+              </a:ext>
+            </a:extLst>
+          </p:cNvPr>
+          <p:cNvSpPr>
+            <a:spLocks noGrp="1"/>
+          </p:cNvSpPr>
+          <p:nvPr>
+            <p:ph type="sldNum" sz="quarter" idx="12"/>
+          </p:nvPr>
+        </p:nvSpPr>
+        <p:spPr/>
+        <p:txBody>
+          <a:bodyPr/>
+          <a:lstStyle/>
+          <a:p>
+            <a:pPr rtl="0"/>
+            <a:fld id="{5F4C9F40-B079-4B71-A627-7266DFEA7F03}" type="slidenum">
+              <a:rPr lang="de-DE" smtClean="0"/>
+              <a:t>9</a:t>
+            </a:fld>
+            <a:endParaRPr lang="de-DE" dirty="0"/>
+          </a:p>
+        </p:txBody>
+      </p:sp>
     </p:spTree>
     <p:extLst>
       <p:ext uri="{BB962C8B-B14F-4D97-AF65-F5344CB8AC3E}">
